--- a/Query Millions of WGS Variants in Minutes with Azure Synapse.pptx
+++ b/Query Millions of WGS Variants in Minutes with Azure Synapse.pptx
@@ -10,8 +10,8 @@
   </p:notesMasterIdLst>
   <p:sldIdLst>
     <p:sldId id="257" r:id="rId6"/>
-    <p:sldId id="258" r:id="rId7"/>
-    <p:sldId id="261" r:id="rId8"/>
+    <p:sldId id="261" r:id="rId7"/>
+    <p:sldId id="258" r:id="rId8"/>
     <p:sldId id="259" r:id="rId9"/>
     <p:sldId id="260" r:id="rId10"/>
   </p:sldIdLst>
@@ -931,7 +931,7 @@
               <a:latin typeface="Segoe UI" panose="020B0502040204020203" pitchFamily="34" charset="0"/>
               <a:cs typeface="Segoe UI" panose="020B0502040204020203" pitchFamily="34" charset="0"/>
             </a:rPr>
-            <a:t>1000 Genomes</a:t>
+            <a:t>1000 Genomes Project</a:t>
           </a:r>
         </a:p>
       </dgm:t>
@@ -1428,8 +1428,8 @@
       </dsp:nvSpPr>
       <dsp:spPr>
         <a:xfrm>
-          <a:off x="872" y="1820"/>
-          <a:ext cx="7598741" cy="1598279"/>
+          <a:off x="1067" y="3440"/>
+          <a:ext cx="9302698" cy="1578486"/>
         </a:xfrm>
         <a:prstGeom prst="rect">
           <a:avLst/>
@@ -1493,13 +1493,13 @@
               <a:latin typeface="Segoe UI" panose="020B0502040204020203" pitchFamily="34" charset="0"/>
               <a:cs typeface="Segoe UI" panose="020B0502040204020203" pitchFamily="34" charset="0"/>
             </a:rPr>
-            <a:t>1000 Genomes</a:t>
+            <a:t>1000 Genomes Project</a:t>
           </a:r>
         </a:p>
       </dsp:txBody>
       <dsp:txXfrm>
-        <a:off x="872" y="1820"/>
-        <a:ext cx="7598741" cy="1598279"/>
+        <a:off x="1067" y="3440"/>
+        <a:ext cx="9302698" cy="1578486"/>
       </dsp:txXfrm>
     </dsp:sp>
     <dsp:sp modelId="{2F14CD38-6701-49FF-841C-1BC86CAC943C}">
@@ -1509,8 +1509,8 @@
       </dsp:nvSpPr>
       <dsp:spPr>
         <a:xfrm>
-          <a:off x="872" y="1734356"/>
-          <a:ext cx="4963733" cy="1598279"/>
+          <a:off x="1067" y="1744252"/>
+          <a:ext cx="6076810" cy="1578486"/>
         </a:xfrm>
         <a:prstGeom prst="rect">
           <a:avLst/>
@@ -1552,12 +1552,12 @@
         </a:fontRef>
       </dsp:style>
       <dsp:txBody>
-        <a:bodyPr spcFirstLastPara="0" vert="horz" wrap="square" lIns="160020" tIns="160020" rIns="160020" bIns="160020" numCol="1" spcCol="1270" anchor="ctr" anchorCtr="0">
+        <a:bodyPr spcFirstLastPara="0" vert="horz" wrap="square" lIns="179070" tIns="179070" rIns="179070" bIns="179070" numCol="1" spcCol="1270" anchor="ctr" anchorCtr="0">
           <a:noAutofit/>
         </a:bodyPr>
         <a:lstStyle/>
         <a:p>
-          <a:pPr marL="0" lvl="0" indent="0" algn="ctr" defTabSz="1866900">
+          <a:pPr marL="0" lvl="0" indent="0" algn="ctr" defTabSz="2089150">
             <a:lnSpc>
               <a:spcPct val="90000"/>
             </a:lnSpc>
@@ -1570,7 +1570,7 @@
             <a:buNone/>
           </a:pPr>
           <a:r>
-            <a:rPr lang="en-US" sz="4200" b="1" kern="1200" dirty="0">
+            <a:rPr lang="en-US" sz="4700" b="1" kern="1200" dirty="0">
               <a:latin typeface="Segoe UI" panose="020B0502040204020203" pitchFamily="34" charset="0"/>
               <a:cs typeface="Segoe UI" panose="020B0502040204020203" pitchFamily="34" charset="0"/>
             </a:rPr>
@@ -1579,8 +1579,8 @@
         </a:p>
       </dsp:txBody>
       <dsp:txXfrm>
-        <a:off x="872" y="1734356"/>
-        <a:ext cx="4963733" cy="1598279"/>
+        <a:off x="1067" y="1744252"/>
+        <a:ext cx="6076810" cy="1578486"/>
       </dsp:txXfrm>
     </dsp:sp>
     <dsp:sp modelId="{AE7873C4-9217-42FD-9F32-818BFB9462A8}">
@@ -1590,8 +1590,8 @@
       </dsp:nvSpPr>
       <dsp:spPr>
         <a:xfrm>
-          <a:off x="872" y="3466891"/>
-          <a:ext cx="2430819" cy="1598279"/>
+          <a:off x="1067" y="3485065"/>
+          <a:ext cx="2975911" cy="1578486"/>
         </a:xfrm>
         <a:prstGeom prst="rect">
           <a:avLst/>
@@ -1676,8 +1676,8 @@
         </a:p>
       </dsp:txBody>
       <dsp:txXfrm>
-        <a:off x="872" y="3466891"/>
-        <a:ext cx="2430819" cy="1598279"/>
+        <a:off x="1067" y="3485065"/>
+        <a:ext cx="2975911" cy="1578486"/>
       </dsp:txXfrm>
     </dsp:sp>
     <dsp:sp modelId="{33BE92E6-9293-411F-98C7-1B3EACBEB49F}">
@@ -1687,8 +1687,8 @@
       </dsp:nvSpPr>
       <dsp:spPr>
         <a:xfrm>
-          <a:off x="2533786" y="3466891"/>
-          <a:ext cx="2430819" cy="1598279"/>
+          <a:off x="3101967" y="3485065"/>
+          <a:ext cx="2975911" cy="1578486"/>
         </a:xfrm>
         <a:prstGeom prst="rect">
           <a:avLst/>
@@ -1752,8 +1752,8 @@
         </a:p>
       </dsp:txBody>
       <dsp:txXfrm>
-        <a:off x="2533786" y="3466891"/>
-        <a:ext cx="2430819" cy="1598279"/>
+        <a:off x="3101967" y="3485065"/>
+        <a:ext cx="2975911" cy="1578486"/>
       </dsp:txXfrm>
     </dsp:sp>
     <dsp:sp modelId="{B8AE5867-B8D7-412B-B959-0B47D66EB627}">
@@ -1763,8 +1763,8 @@
       </dsp:nvSpPr>
       <dsp:spPr>
         <a:xfrm>
-          <a:off x="5168794" y="1734356"/>
-          <a:ext cx="2430819" cy="1598279"/>
+          <a:off x="6327855" y="1744252"/>
+          <a:ext cx="2975911" cy="1578486"/>
         </a:xfrm>
         <a:prstGeom prst="rect">
           <a:avLst/>
@@ -1832,8 +1832,8 @@
         </a:p>
       </dsp:txBody>
       <dsp:txXfrm>
-        <a:off x="5168794" y="1734356"/>
-        <a:ext cx="2430819" cy="1598279"/>
+        <a:off x="6327855" y="1744252"/>
+        <a:ext cx="2975911" cy="1578486"/>
       </dsp:txXfrm>
     </dsp:sp>
     <dsp:sp modelId="{A5299E66-8E01-4673-ABC2-9E3B8CB88A8B}">
@@ -1843,8 +1843,8 @@
       </dsp:nvSpPr>
       <dsp:spPr>
         <a:xfrm>
-          <a:off x="5168794" y="3466891"/>
-          <a:ext cx="2430819" cy="1598279"/>
+          <a:off x="6327855" y="3485065"/>
+          <a:ext cx="2975911" cy="1578486"/>
         </a:xfrm>
         <a:prstGeom prst="rect">
           <a:avLst/>
@@ -1908,8 +1908,8 @@
         </a:p>
       </dsp:txBody>
       <dsp:txXfrm>
-        <a:off x="5168794" y="3466891"/>
-        <a:ext cx="2430819" cy="1598279"/>
+        <a:off x="6327855" y="3485065"/>
+        <a:ext cx="2975911" cy="1578486"/>
       </dsp:txXfrm>
     </dsp:sp>
   </dsp:spTree>
@@ -19760,7 +19760,7 @@
           <p:cNvPr id="2" name="Title 1">
             <a:extLst>
               <a:ext uri="{FF2B5EF4-FFF2-40B4-BE49-F238E27FC236}">
-                <a16:creationId xmlns:a16="http://schemas.microsoft.com/office/drawing/2014/main" id="{2360F4C3-03C3-497C-8ED2-C06D8A18BB21}"/>
+                <a16:creationId xmlns:a16="http://schemas.microsoft.com/office/drawing/2014/main" id="{918583D6-B5AC-4CBA-9ADE-FA8BCFA78BC8}"/>
               </a:ext>
             </a:extLst>
           </p:cNvPr>
@@ -19778,43 +19778,194 @@
           <a:p>
             <a:r>
               <a:rPr lang="en-US" dirty="0"/>
-              <a:t>Quick Stats</a:t>
+              <a:t>What’s Azure Synapse?</a:t>
             </a:r>
           </a:p>
         </p:txBody>
       </p:sp>
-      <p:graphicFrame>
-        <p:nvGraphicFramePr>
-          <p:cNvPr id="13" name="Diagram 12">
+      <p:sp>
+        <p:nvSpPr>
+          <p:cNvPr id="3" name="Content Placeholder 2">
             <a:extLst>
               <a:ext uri="{FF2B5EF4-FFF2-40B4-BE49-F238E27FC236}">
-                <a16:creationId xmlns:a16="http://schemas.microsoft.com/office/drawing/2014/main" id="{787FB041-1B93-4807-92A2-F4783D98D53B}"/>
+                <a16:creationId xmlns:a16="http://schemas.microsoft.com/office/drawing/2014/main" id="{B4AB5789-DB02-45C6-A8ED-8C6F1B1DB8E7}"/>
               </a:ext>
             </a:extLst>
           </p:cNvPr>
-          <p:cNvGraphicFramePr/>
+          <p:cNvSpPr>
+            <a:spLocks noGrp="1"/>
+          </p:cNvSpPr>
           <p:nvPr>
-            <p:extLst>
-              <p:ext uri="{D42A27DB-BD31-4B8C-83A1-F6EECF244321}">
-                <p14:modId xmlns:p14="http://schemas.microsoft.com/office/powerpoint/2010/main" val="2969104075"/>
-              </p:ext>
-            </p:extLst>
+            <p:ph idx="1"/>
           </p:nvPr>
-        </p:nvGraphicFramePr>
-        <p:xfrm>
-          <a:off x="2289472" y="1515623"/>
-          <a:ext cx="7600486" cy="5066992"/>
-        </p:xfrm>
-        <a:graphic>
-          <a:graphicData uri="http://schemas.openxmlformats.org/drawingml/2006/diagram">
-            <dgm:relIds xmlns:dgm="http://schemas.openxmlformats.org/drawingml/2006/diagram" xmlns:r="http://schemas.openxmlformats.org/officeDocument/2006/relationships" r:dm="rId2" r:lo="rId3" r:qs="rId4" r:cs="rId5"/>
-          </a:graphicData>
-        </a:graphic>
-      </p:graphicFrame>
+        </p:nvSpPr>
+        <p:spPr>
+          <a:xfrm>
+            <a:off x="377073" y="1791798"/>
+            <a:ext cx="6297104" cy="4309749"/>
+          </a:xfrm>
+        </p:spPr>
+        <p:txBody>
+          <a:bodyPr/>
+          <a:lstStyle/>
+          <a:p>
+            <a:r>
+              <a:rPr lang="en-US" dirty="0"/>
+              <a:t>Scalable analytics platform that includes Azure SQL Data Warehouse, Data Lake exploration, Apache Spark, integration with Power BI, and more.</a:t>
+            </a:r>
+          </a:p>
+        </p:txBody>
+      </p:sp>
+      <p:sp>
+        <p:nvSpPr>
+          <p:cNvPr id="4" name="Text Placeholder 3">
+            <a:extLst>
+              <a:ext uri="{FF2B5EF4-FFF2-40B4-BE49-F238E27FC236}">
+                <a16:creationId xmlns:a16="http://schemas.microsoft.com/office/drawing/2014/main" id="{71D706D2-4641-4EB2-AE53-A80B3B3F8606}"/>
+              </a:ext>
+            </a:extLst>
+          </p:cNvPr>
+          <p:cNvSpPr>
+            <a:spLocks noGrp="1"/>
+          </p:cNvSpPr>
+          <p:nvPr>
+            <p:ph type="body" idx="13"/>
+          </p:nvPr>
+        </p:nvSpPr>
+        <p:spPr/>
+        <p:txBody>
+          <a:bodyPr/>
+          <a:lstStyle/>
+          <a:p>
+            <a:r>
+              <a:rPr lang="en-US" dirty="0"/>
+              <a:t>“Limitless analytics service with unmatched time to insight.”</a:t>
+            </a:r>
+          </a:p>
+        </p:txBody>
+      </p:sp>
+      <p:pic>
+        <p:nvPicPr>
+          <p:cNvPr id="7" name="Picture Placeholder 6">
+            <a:extLst>
+              <a:ext uri="{FF2B5EF4-FFF2-40B4-BE49-F238E27FC236}">
+                <a16:creationId xmlns:a16="http://schemas.microsoft.com/office/drawing/2014/main" id="{608067B8-87BF-4637-80BD-753441C95CBB}"/>
+              </a:ext>
+            </a:extLst>
+          </p:cNvPr>
+          <p:cNvPicPr>
+            <a:picLocks noGrp="1" noChangeAspect="1"/>
+          </p:cNvPicPr>
+          <p:nvPr>
+            <p:ph type="pic" sz="quarter" idx="14"/>
+          </p:nvPr>
+        </p:nvPicPr>
+        <p:blipFill rotWithShape="1">
+          <a:blip r:embed="rId2">
+            <a:extLst>
+              <a:ext uri="{96DAC541-7B7A-43D3-8B79-37D633B846F1}">
+                <asvg:svgBlip xmlns:asvg="http://schemas.microsoft.com/office/drawing/2016/SVG/main" r:embed="rId3"/>
+              </a:ext>
+            </a:extLst>
+          </a:blip>
+          <a:srcRect l="-11684" t="-9759" r="-11684" b="-9759"/>
+          <a:stretch/>
+        </p:blipFill>
+        <p:spPr>
+          <a:xfrm>
+            <a:off x="8024212" y="842455"/>
+            <a:ext cx="3616572" cy="3504976"/>
+          </a:xfrm>
+        </p:spPr>
+      </p:pic>
+      <p:pic>
+        <p:nvPicPr>
+          <p:cNvPr id="9" name="Picture 8">
+            <a:extLst>
+              <a:ext uri="{FF2B5EF4-FFF2-40B4-BE49-F238E27FC236}">
+                <a16:creationId xmlns:a16="http://schemas.microsoft.com/office/drawing/2014/main" id="{52A753E6-970F-4795-A885-158E0E684196}"/>
+              </a:ext>
+            </a:extLst>
+          </p:cNvPr>
+          <p:cNvPicPr>
+            <a:picLocks noChangeAspect="1"/>
+          </p:cNvPicPr>
+          <p:nvPr/>
+        </p:nvPicPr>
+        <p:blipFill>
+          <a:blip r:embed="rId4"/>
+          <a:stretch>
+            <a:fillRect/>
+          </a:stretch>
+        </p:blipFill>
+        <p:spPr>
+          <a:xfrm>
+            <a:off x="447041" y="2854664"/>
+            <a:ext cx="6454986" cy="2813457"/>
+          </a:xfrm>
+          <a:prstGeom prst="rect">
+            <a:avLst/>
+          </a:prstGeom>
+          <a:ln>
+            <a:solidFill>
+              <a:schemeClr val="accent1"/>
+            </a:solidFill>
+          </a:ln>
+          <a:effectLst>
+            <a:outerShdw blurRad="50800" dist="38100" dir="2700000" algn="tl" rotWithShape="0">
+              <a:prstClr val="black">
+                <a:alpha val="40000"/>
+              </a:prstClr>
+            </a:outerShdw>
+          </a:effectLst>
+        </p:spPr>
+      </p:pic>
+      <p:pic>
+        <p:nvPicPr>
+          <p:cNvPr id="11" name="Picture 10" descr="Chart&#10;&#10;Description automatically generated">
+            <a:extLst>
+              <a:ext uri="{FF2B5EF4-FFF2-40B4-BE49-F238E27FC236}">
+                <a16:creationId xmlns:a16="http://schemas.microsoft.com/office/drawing/2014/main" id="{A3C6C0E6-77F4-4AC8-B78C-8E85CA3BAE9D}"/>
+              </a:ext>
+            </a:extLst>
+          </p:cNvPr>
+          <p:cNvPicPr>
+            <a:picLocks noChangeAspect="1"/>
+          </p:cNvPicPr>
+          <p:nvPr/>
+        </p:nvPicPr>
+        <p:blipFill>
+          <a:blip r:embed="rId5"/>
+          <a:stretch>
+            <a:fillRect/>
+          </a:stretch>
+        </p:blipFill>
+        <p:spPr>
+          <a:xfrm>
+            <a:off x="3025105" y="4644106"/>
+            <a:ext cx="6725920" cy="2050264"/>
+          </a:xfrm>
+          <a:prstGeom prst="rect">
+            <a:avLst/>
+          </a:prstGeom>
+          <a:ln>
+            <a:solidFill>
+              <a:schemeClr val="accent1"/>
+            </a:solidFill>
+          </a:ln>
+          <a:effectLst>
+            <a:outerShdw blurRad="50800" dist="38100" dir="2700000" algn="tl" rotWithShape="0">
+              <a:prstClr val="black">
+                <a:alpha val="40000"/>
+              </a:prstClr>
+            </a:outerShdw>
+          </a:effectLst>
+        </p:spPr>
+      </p:pic>
     </p:spTree>
     <p:extLst>
       <p:ext uri="{BB962C8B-B14F-4D97-AF65-F5344CB8AC3E}">
-        <p14:creationId xmlns:p14="http://schemas.microsoft.com/office/powerpoint/2010/main" val="650675843"/>
+        <p14:creationId xmlns:p14="http://schemas.microsoft.com/office/powerpoint/2010/main" val="3475126820"/>
       </p:ext>
     </p:extLst>
   </p:cSld>
@@ -19846,7 +19997,7 @@
           <p:cNvPr id="2" name="Title 1">
             <a:extLst>
               <a:ext uri="{FF2B5EF4-FFF2-40B4-BE49-F238E27FC236}">
-                <a16:creationId xmlns:a16="http://schemas.microsoft.com/office/drawing/2014/main" id="{918583D6-B5AC-4CBA-9ADE-FA8BCFA78BC8}"/>
+                <a16:creationId xmlns:a16="http://schemas.microsoft.com/office/drawing/2014/main" id="{2360F4C3-03C3-497C-8ED2-C06D8A18BB21}"/>
               </a:ext>
             </a:extLst>
           </p:cNvPr>
@@ -19864,102 +20015,130 @@
           <a:p>
             <a:r>
               <a:rPr lang="en-US" dirty="0"/>
-              <a:t>What’s Azure Synapse?</a:t>
+              <a:t>Quick Data Stats</a:t>
             </a:r>
           </a:p>
         </p:txBody>
       </p:sp>
-      <p:sp>
-        <p:nvSpPr>
-          <p:cNvPr id="3" name="Content Placeholder 2">
+      <p:graphicFrame>
+        <p:nvGraphicFramePr>
+          <p:cNvPr id="13" name="Diagram 12">
             <a:extLst>
               <a:ext uri="{FF2B5EF4-FFF2-40B4-BE49-F238E27FC236}">
-                <a16:creationId xmlns:a16="http://schemas.microsoft.com/office/drawing/2014/main" id="{B4AB5789-DB02-45C6-A8ED-8C6F1B1DB8E7}"/>
+                <a16:creationId xmlns:a16="http://schemas.microsoft.com/office/drawing/2014/main" id="{787FB041-1B93-4807-92A2-F4783D98D53B}"/>
               </a:ext>
             </a:extLst>
           </p:cNvPr>
-          <p:cNvSpPr>
-            <a:spLocks noGrp="1"/>
-          </p:cNvSpPr>
+          <p:cNvGraphicFramePr/>
           <p:nvPr>
-            <p:ph idx="1"/>
+            <p:extLst>
+              <p:ext uri="{D42A27DB-BD31-4B8C-83A1-F6EECF244321}">
+                <p14:modId xmlns:p14="http://schemas.microsoft.com/office/powerpoint/2010/main" val="3350738886"/>
+              </p:ext>
+            </p:extLst>
           </p:nvPr>
-        </p:nvSpPr>
-        <p:spPr/>
-        <p:txBody>
-          <a:bodyPr/>
-          <a:lstStyle/>
-          <a:p>
-            <a:endParaRPr lang="en-US"/>
-          </a:p>
-        </p:txBody>
-      </p:sp>
+        </p:nvGraphicFramePr>
+        <p:xfrm>
+          <a:off x="410665" y="1515623"/>
+          <a:ext cx="9304834" cy="5066992"/>
+        </p:xfrm>
+        <a:graphic>
+          <a:graphicData uri="http://schemas.openxmlformats.org/drawingml/2006/diagram">
+            <dgm:relIds xmlns:dgm="http://schemas.openxmlformats.org/drawingml/2006/diagram" xmlns:r="http://schemas.openxmlformats.org/officeDocument/2006/relationships" r:dm="rId2" r:lo="rId3" r:qs="rId4" r:cs="rId5"/>
+          </a:graphicData>
+        </a:graphic>
+      </p:graphicFrame>
       <p:sp>
         <p:nvSpPr>
-          <p:cNvPr id="4" name="Text Placeholder 3">
+          <p:cNvPr id="15" name="TextBox 14">
             <a:extLst>
               <a:ext uri="{FF2B5EF4-FFF2-40B4-BE49-F238E27FC236}">
-                <a16:creationId xmlns:a16="http://schemas.microsoft.com/office/drawing/2014/main" id="{71D706D2-4641-4EB2-AE53-A80B3B3F8606}"/>
+                <a16:creationId xmlns:a16="http://schemas.microsoft.com/office/drawing/2014/main" id="{00CCC2E9-9A1F-460F-A6F8-3CEF5E0160CE}"/>
               </a:ext>
             </a:extLst>
           </p:cNvPr>
-          <p:cNvSpPr>
-            <a:spLocks noGrp="1"/>
-          </p:cNvSpPr>
-          <p:nvPr>
-            <p:ph type="body" idx="13"/>
-          </p:nvPr>
+          <p:cNvSpPr txBox="1"/>
+          <p:nvPr/>
         </p:nvSpPr>
-        <p:spPr/>
+        <p:spPr>
+          <a:xfrm>
+            <a:off x="9866810" y="1911531"/>
+            <a:ext cx="2127547" cy="784830"/>
+          </a:xfrm>
+          <a:prstGeom prst="rect">
+            <a:avLst/>
+          </a:prstGeom>
+          <a:noFill/>
+        </p:spPr>
         <p:txBody>
-          <a:bodyPr/>
+          <a:bodyPr wrap="square">
+            <a:spAutoFit/>
+          </a:bodyPr>
           <a:lstStyle/>
           <a:p>
             <a:r>
-              <a:rPr lang="en-US" dirty="0"/>
-              <a:t>“Limitless analytics service with unmatched time to insight.”</a:t>
+              <a:rPr lang="en-US" sz="900" dirty="0" err="1">
+                <a:latin typeface="Segoe UI" panose="020B0502040204020203" pitchFamily="34" charset="0"/>
+                <a:cs typeface="Segoe UI" panose="020B0502040204020203" pitchFamily="34" charset="0"/>
+              </a:rPr>
+              <a:t>Sudmant</a:t>
+            </a:r>
+            <a:r>
+              <a:rPr lang="en-US" sz="900" dirty="0">
+                <a:latin typeface="Segoe UI" panose="020B0502040204020203" pitchFamily="34" charset="0"/>
+                <a:cs typeface="Segoe UI" panose="020B0502040204020203" pitchFamily="34" charset="0"/>
+              </a:rPr>
+              <a:t>, P., Rausch, T., Gardner, E. </a:t>
+            </a:r>
+            <a:r>
+              <a:rPr lang="en-US" sz="900" i="1" dirty="0">
+                <a:latin typeface="Segoe UI" panose="020B0502040204020203" pitchFamily="34" charset="0"/>
+                <a:cs typeface="Segoe UI" panose="020B0502040204020203" pitchFamily="34" charset="0"/>
+              </a:rPr>
+              <a:t>et al.</a:t>
+            </a:r>
+            <a:r>
+              <a:rPr lang="en-US" sz="900" dirty="0">
+                <a:latin typeface="Segoe UI" panose="020B0502040204020203" pitchFamily="34" charset="0"/>
+                <a:cs typeface="Segoe UI" panose="020B0502040204020203" pitchFamily="34" charset="0"/>
+              </a:rPr>
+              <a:t> An integrated map of structural variation in 2,504 human genomes. </a:t>
+            </a:r>
+            <a:r>
+              <a:rPr lang="en-US" sz="900" i="1" dirty="0">
+                <a:latin typeface="Segoe UI" panose="020B0502040204020203" pitchFamily="34" charset="0"/>
+                <a:cs typeface="Segoe UI" panose="020B0502040204020203" pitchFamily="34" charset="0"/>
+              </a:rPr>
+              <a:t>Nature</a:t>
+            </a:r>
+            <a:r>
+              <a:rPr lang="en-US" sz="900" dirty="0">
+                <a:latin typeface="Segoe UI" panose="020B0502040204020203" pitchFamily="34" charset="0"/>
+                <a:cs typeface="Segoe UI" panose="020B0502040204020203" pitchFamily="34" charset="0"/>
+              </a:rPr>
+              <a:t> </a:t>
+            </a:r>
+            <a:r>
+              <a:rPr lang="en-US" sz="900" b="1" dirty="0">
+                <a:latin typeface="Segoe UI" panose="020B0502040204020203" pitchFamily="34" charset="0"/>
+                <a:cs typeface="Segoe UI" panose="020B0502040204020203" pitchFamily="34" charset="0"/>
+              </a:rPr>
+              <a:t>526, </a:t>
+            </a:r>
+            <a:r>
+              <a:rPr lang="en-US" sz="900" dirty="0">
+                <a:latin typeface="Segoe UI" panose="020B0502040204020203" pitchFamily="34" charset="0"/>
+                <a:cs typeface="Segoe UI" panose="020B0502040204020203" pitchFamily="34" charset="0"/>
+              </a:rPr>
+              <a:t>75–81 (2015). https://doi.org/10.1038/nature15394</a:t>
             </a:r>
           </a:p>
         </p:txBody>
       </p:sp>
-      <p:pic>
-        <p:nvPicPr>
-          <p:cNvPr id="7" name="Picture Placeholder 6">
-            <a:extLst>
-              <a:ext uri="{FF2B5EF4-FFF2-40B4-BE49-F238E27FC236}">
-                <a16:creationId xmlns:a16="http://schemas.microsoft.com/office/drawing/2014/main" id="{608067B8-87BF-4637-80BD-753441C95CBB}"/>
-              </a:ext>
-            </a:extLst>
-          </p:cNvPr>
-          <p:cNvPicPr>
-            <a:picLocks noGrp="1" noChangeAspect="1"/>
-          </p:cNvPicPr>
-          <p:nvPr>
-            <p:ph type="pic" sz="quarter" idx="14"/>
-          </p:nvPr>
-        </p:nvPicPr>
-        <p:blipFill rotWithShape="1">
-          <a:blip r:embed="rId2">
-            <a:extLst>
-              <a:ext uri="{96DAC541-7B7A-43D3-8B79-37D633B846F1}">
-                <asvg:svgBlip xmlns:asvg="http://schemas.microsoft.com/office/drawing/2016/SVG/main" r:embed="rId3"/>
-              </a:ext>
-            </a:extLst>
-          </a:blip>
-          <a:srcRect l="-11684" t="-9759" r="-11684" b="-9759"/>
-          <a:stretch/>
-        </p:blipFill>
-        <p:spPr>
-          <a:xfrm>
-            <a:off x="7166522" y="1866228"/>
-            <a:ext cx="4273020" cy="4141167"/>
-          </a:xfrm>
-        </p:spPr>
-      </p:pic>
     </p:spTree>
     <p:extLst>
       <p:ext uri="{BB962C8B-B14F-4D97-AF65-F5344CB8AC3E}">
-        <p14:creationId xmlns:p14="http://schemas.microsoft.com/office/powerpoint/2010/main" val="3475126820"/>
+        <p14:creationId xmlns:p14="http://schemas.microsoft.com/office/powerpoint/2010/main" val="650675843"/>
       </p:ext>
     </p:extLst>
   </p:cSld>
@@ -20513,6 +20692,305 @@
   <p:clrMapOvr>
     <a:masterClrMapping/>
   </p:clrMapOvr>
+  <p:timing>
+    <p:tnLst>
+      <p:par>
+        <p:cTn id="1" dur="indefinite" restart="never" nodeType="tmRoot">
+          <p:childTnLst>
+            <p:seq concurrent="1" nextAc="seek">
+              <p:cTn id="2" dur="indefinite" nodeType="mainSeq">
+                <p:childTnLst>
+                  <p:par>
+                    <p:cTn id="3" fill="hold">
+                      <p:stCondLst>
+                        <p:cond delay="indefinite"/>
+                      </p:stCondLst>
+                      <p:childTnLst>
+                        <p:par>
+                          <p:cTn id="4" fill="hold">
+                            <p:stCondLst>
+                              <p:cond delay="0"/>
+                            </p:stCondLst>
+                            <p:childTnLst>
+                              <p:par>
+                                <p:cTn id="5" presetID="10" presetClass="entr" presetSubtype="0" fill="hold" nodeType="clickEffect">
+                                  <p:stCondLst>
+                                    <p:cond delay="0"/>
+                                  </p:stCondLst>
+                                  <p:childTnLst>
+                                    <p:set>
+                                      <p:cBhvr>
+                                        <p:cTn id="6" dur="1" fill="hold">
+                                          <p:stCondLst>
+                                            <p:cond delay="0"/>
+                                          </p:stCondLst>
+                                        </p:cTn>
+                                        <p:tgtEl>
+                                          <p:spTgt spid="8"/>
+                                        </p:tgtEl>
+                                        <p:attrNameLst>
+                                          <p:attrName>style.visibility</p:attrName>
+                                        </p:attrNameLst>
+                                      </p:cBhvr>
+                                      <p:to>
+                                        <p:strVal val="visible"/>
+                                      </p:to>
+                                    </p:set>
+                                    <p:animEffect transition="in" filter="fade">
+                                      <p:cBhvr>
+                                        <p:cTn id="7" dur="500"/>
+                                        <p:tgtEl>
+                                          <p:spTgt spid="8"/>
+                                        </p:tgtEl>
+                                      </p:cBhvr>
+                                    </p:animEffect>
+                                  </p:childTnLst>
+                                </p:cTn>
+                              </p:par>
+                              <p:par>
+                                <p:cTn id="8" presetID="10" presetClass="entr" presetSubtype="0" fill="hold" grpId="0" nodeType="withEffect">
+                                  <p:stCondLst>
+                                    <p:cond delay="0"/>
+                                  </p:stCondLst>
+                                  <p:childTnLst>
+                                    <p:set>
+                                      <p:cBhvr>
+                                        <p:cTn id="9" dur="1" fill="hold">
+                                          <p:stCondLst>
+                                            <p:cond delay="0"/>
+                                          </p:stCondLst>
+                                        </p:cTn>
+                                        <p:tgtEl>
+                                          <p:spTgt spid="4"/>
+                                        </p:tgtEl>
+                                        <p:attrNameLst>
+                                          <p:attrName>style.visibility</p:attrName>
+                                        </p:attrNameLst>
+                                      </p:cBhvr>
+                                      <p:to>
+                                        <p:strVal val="visible"/>
+                                      </p:to>
+                                    </p:set>
+                                    <p:animEffect transition="in" filter="fade">
+                                      <p:cBhvr>
+                                        <p:cTn id="10" dur="500"/>
+                                        <p:tgtEl>
+                                          <p:spTgt spid="4"/>
+                                        </p:tgtEl>
+                                      </p:cBhvr>
+                                    </p:animEffect>
+                                  </p:childTnLst>
+                                </p:cTn>
+                              </p:par>
+                            </p:childTnLst>
+                          </p:cTn>
+                        </p:par>
+                      </p:childTnLst>
+                    </p:cTn>
+                  </p:par>
+                  <p:par>
+                    <p:cTn id="11" fill="hold">
+                      <p:stCondLst>
+                        <p:cond delay="indefinite"/>
+                      </p:stCondLst>
+                      <p:childTnLst>
+                        <p:par>
+                          <p:cTn id="12" fill="hold">
+                            <p:stCondLst>
+                              <p:cond delay="0"/>
+                            </p:stCondLst>
+                            <p:childTnLst>
+                              <p:par>
+                                <p:cTn id="13" presetID="10" presetClass="entr" presetSubtype="0" fill="hold" nodeType="clickEffect">
+                                  <p:stCondLst>
+                                    <p:cond delay="0"/>
+                                  </p:stCondLst>
+                                  <p:childTnLst>
+                                    <p:set>
+                                      <p:cBhvr>
+                                        <p:cTn id="14" dur="1" fill="hold">
+                                          <p:stCondLst>
+                                            <p:cond delay="0"/>
+                                          </p:stCondLst>
+                                        </p:cTn>
+                                        <p:tgtEl>
+                                          <p:spTgt spid="9"/>
+                                        </p:tgtEl>
+                                        <p:attrNameLst>
+                                          <p:attrName>style.visibility</p:attrName>
+                                        </p:attrNameLst>
+                                      </p:cBhvr>
+                                      <p:to>
+                                        <p:strVal val="visible"/>
+                                      </p:to>
+                                    </p:set>
+                                    <p:animEffect transition="in" filter="fade">
+                                      <p:cBhvr>
+                                        <p:cTn id="15" dur="500"/>
+                                        <p:tgtEl>
+                                          <p:spTgt spid="9"/>
+                                        </p:tgtEl>
+                                      </p:cBhvr>
+                                    </p:animEffect>
+                                  </p:childTnLst>
+                                </p:cTn>
+                              </p:par>
+                              <p:par>
+                                <p:cTn id="16" presetID="10" presetClass="entr" presetSubtype="0" fill="hold" grpId="0" nodeType="withEffect">
+                                  <p:stCondLst>
+                                    <p:cond delay="0"/>
+                                  </p:stCondLst>
+                                  <p:childTnLst>
+                                    <p:set>
+                                      <p:cBhvr>
+                                        <p:cTn id="17" dur="1" fill="hold">
+                                          <p:stCondLst>
+                                            <p:cond delay="0"/>
+                                          </p:stCondLst>
+                                        </p:cTn>
+                                        <p:tgtEl>
+                                          <p:spTgt spid="5"/>
+                                        </p:tgtEl>
+                                        <p:attrNameLst>
+                                          <p:attrName>style.visibility</p:attrName>
+                                        </p:attrNameLst>
+                                      </p:cBhvr>
+                                      <p:to>
+                                        <p:strVal val="visible"/>
+                                      </p:to>
+                                    </p:set>
+                                    <p:animEffect transition="in" filter="fade">
+                                      <p:cBhvr>
+                                        <p:cTn id="18" dur="500"/>
+                                        <p:tgtEl>
+                                          <p:spTgt spid="5"/>
+                                        </p:tgtEl>
+                                      </p:cBhvr>
+                                    </p:animEffect>
+                                  </p:childTnLst>
+                                </p:cTn>
+                              </p:par>
+                            </p:childTnLst>
+                          </p:cTn>
+                        </p:par>
+                      </p:childTnLst>
+                    </p:cTn>
+                  </p:par>
+                  <p:par>
+                    <p:cTn id="19" fill="hold">
+                      <p:stCondLst>
+                        <p:cond delay="indefinite"/>
+                      </p:stCondLst>
+                      <p:childTnLst>
+                        <p:par>
+                          <p:cTn id="20" fill="hold">
+                            <p:stCondLst>
+                              <p:cond delay="0"/>
+                            </p:stCondLst>
+                            <p:childTnLst>
+                              <p:par>
+                                <p:cTn id="21" presetID="10" presetClass="entr" presetSubtype="0" fill="hold" nodeType="clickEffect">
+                                  <p:stCondLst>
+                                    <p:cond delay="0"/>
+                                  </p:stCondLst>
+                                  <p:childTnLst>
+                                    <p:set>
+                                      <p:cBhvr>
+                                        <p:cTn id="22" dur="1" fill="hold">
+                                          <p:stCondLst>
+                                            <p:cond delay="0"/>
+                                          </p:stCondLst>
+                                        </p:cTn>
+                                        <p:tgtEl>
+                                          <p:spTgt spid="12"/>
+                                        </p:tgtEl>
+                                        <p:attrNameLst>
+                                          <p:attrName>style.visibility</p:attrName>
+                                        </p:attrNameLst>
+                                      </p:cBhvr>
+                                      <p:to>
+                                        <p:strVal val="visible"/>
+                                      </p:to>
+                                    </p:set>
+                                    <p:animEffect transition="in" filter="fade">
+                                      <p:cBhvr>
+                                        <p:cTn id="23" dur="500"/>
+                                        <p:tgtEl>
+                                          <p:spTgt spid="12"/>
+                                        </p:tgtEl>
+                                      </p:cBhvr>
+                                    </p:animEffect>
+                                  </p:childTnLst>
+                                </p:cTn>
+                              </p:par>
+                              <p:par>
+                                <p:cTn id="24" presetID="10" presetClass="entr" presetSubtype="0" fill="hold" grpId="0" nodeType="withEffect">
+                                  <p:stCondLst>
+                                    <p:cond delay="0"/>
+                                  </p:stCondLst>
+                                  <p:childTnLst>
+                                    <p:set>
+                                      <p:cBhvr>
+                                        <p:cTn id="25" dur="1" fill="hold">
+                                          <p:stCondLst>
+                                            <p:cond delay="0"/>
+                                          </p:stCondLst>
+                                        </p:cTn>
+                                        <p:tgtEl>
+                                          <p:spTgt spid="6"/>
+                                        </p:tgtEl>
+                                        <p:attrNameLst>
+                                          <p:attrName>style.visibility</p:attrName>
+                                        </p:attrNameLst>
+                                      </p:cBhvr>
+                                      <p:to>
+                                        <p:strVal val="visible"/>
+                                      </p:to>
+                                    </p:set>
+                                    <p:animEffect transition="in" filter="fade">
+                                      <p:cBhvr>
+                                        <p:cTn id="26" dur="500"/>
+                                        <p:tgtEl>
+                                          <p:spTgt spid="6"/>
+                                        </p:tgtEl>
+                                      </p:cBhvr>
+                                    </p:animEffect>
+                                  </p:childTnLst>
+                                </p:cTn>
+                              </p:par>
+                            </p:childTnLst>
+                          </p:cTn>
+                        </p:par>
+                      </p:childTnLst>
+                    </p:cTn>
+                  </p:par>
+                </p:childTnLst>
+              </p:cTn>
+              <p:prevCondLst>
+                <p:cond evt="onPrev" delay="0">
+                  <p:tgtEl>
+                    <p:sldTgt/>
+                  </p:tgtEl>
+                </p:cond>
+              </p:prevCondLst>
+              <p:nextCondLst>
+                <p:cond evt="onNext" delay="0">
+                  <p:tgtEl>
+                    <p:sldTgt/>
+                  </p:tgtEl>
+                </p:cond>
+              </p:nextCondLst>
+            </p:seq>
+          </p:childTnLst>
+        </p:cTn>
+      </p:par>
+    </p:tnLst>
+    <p:bldLst>
+      <p:bldP spid="4" grpId="0" animBg="1"/>
+      <p:bldP spid="5" grpId="0" animBg="1"/>
+      <p:bldP spid="6" grpId="0" animBg="1"/>
+    </p:bldLst>
+  </p:timing>
 </p:sld>
 </file>
 
@@ -20885,7 +21363,7 @@
               <a:rPr lang="en-US" dirty="0">
                 <a:latin typeface="Consolas" panose="020B0609020204030204" pitchFamily="49" charset="0"/>
               </a:rPr>
-              <a:t>              .</a:t>
+              <a:t>	       .</a:t>
             </a:r>
             <a:r>
               <a:rPr lang="en-US" dirty="0" err="1">
@@ -21266,6 +21744,213 @@
   <p:clrMapOvr>
     <a:masterClrMapping/>
   </p:clrMapOvr>
+  <p:timing>
+    <p:tnLst>
+      <p:par>
+        <p:cTn id="1" dur="indefinite" restart="never" nodeType="tmRoot">
+          <p:childTnLst>
+            <p:seq concurrent="1" nextAc="seek">
+              <p:cTn id="2" dur="indefinite" nodeType="mainSeq">
+                <p:childTnLst>
+                  <p:par>
+                    <p:cTn id="3" fill="hold">
+                      <p:stCondLst>
+                        <p:cond delay="indefinite"/>
+                      </p:stCondLst>
+                      <p:childTnLst>
+                        <p:par>
+                          <p:cTn id="4" fill="hold">
+                            <p:stCondLst>
+                              <p:cond delay="0"/>
+                            </p:stCondLst>
+                            <p:childTnLst>
+                              <p:par>
+                                <p:cTn id="5" presetID="10" presetClass="entr" presetSubtype="0" fill="hold" nodeType="clickEffect">
+                                  <p:stCondLst>
+                                    <p:cond delay="0"/>
+                                  </p:stCondLst>
+                                  <p:childTnLst>
+                                    <p:set>
+                                      <p:cBhvr>
+                                        <p:cTn id="6" dur="1" fill="hold">
+                                          <p:stCondLst>
+                                            <p:cond delay="0"/>
+                                          </p:stCondLst>
+                                        </p:cTn>
+                                        <p:tgtEl>
+                                          <p:spTgt spid="4">
+                                            <p:txEl>
+                                              <p:pRg st="4" end="4"/>
+                                            </p:txEl>
+                                          </p:spTgt>
+                                        </p:tgtEl>
+                                        <p:attrNameLst>
+                                          <p:attrName>style.visibility</p:attrName>
+                                        </p:attrNameLst>
+                                      </p:cBhvr>
+                                      <p:to>
+                                        <p:strVal val="visible"/>
+                                      </p:to>
+                                    </p:set>
+                                    <p:animEffect transition="in" filter="fade">
+                                      <p:cBhvr>
+                                        <p:cTn id="7" dur="500"/>
+                                        <p:tgtEl>
+                                          <p:spTgt spid="4">
+                                            <p:txEl>
+                                              <p:pRg st="4" end="4"/>
+                                            </p:txEl>
+                                          </p:spTgt>
+                                        </p:tgtEl>
+                                      </p:cBhvr>
+                                    </p:animEffect>
+                                  </p:childTnLst>
+                                </p:cTn>
+                              </p:par>
+                              <p:par>
+                                <p:cTn id="8" presetID="10" presetClass="entr" presetSubtype="0" fill="hold" nodeType="withEffect">
+                                  <p:stCondLst>
+                                    <p:cond delay="0"/>
+                                  </p:stCondLst>
+                                  <p:childTnLst>
+                                    <p:set>
+                                      <p:cBhvr>
+                                        <p:cTn id="9" dur="1" fill="hold">
+                                          <p:stCondLst>
+                                            <p:cond delay="0"/>
+                                          </p:stCondLst>
+                                        </p:cTn>
+                                        <p:tgtEl>
+                                          <p:spTgt spid="4">
+                                            <p:txEl>
+                                              <p:pRg st="5" end="5"/>
+                                            </p:txEl>
+                                          </p:spTgt>
+                                        </p:tgtEl>
+                                        <p:attrNameLst>
+                                          <p:attrName>style.visibility</p:attrName>
+                                        </p:attrNameLst>
+                                      </p:cBhvr>
+                                      <p:to>
+                                        <p:strVal val="visible"/>
+                                      </p:to>
+                                    </p:set>
+                                    <p:animEffect transition="in" filter="fade">
+                                      <p:cBhvr>
+                                        <p:cTn id="10" dur="500"/>
+                                        <p:tgtEl>
+                                          <p:spTgt spid="4">
+                                            <p:txEl>
+                                              <p:pRg st="5" end="5"/>
+                                            </p:txEl>
+                                          </p:spTgt>
+                                        </p:tgtEl>
+                                      </p:cBhvr>
+                                    </p:animEffect>
+                                  </p:childTnLst>
+                                </p:cTn>
+                              </p:par>
+                              <p:par>
+                                <p:cTn id="11" presetID="10" presetClass="entr" presetSubtype="0" fill="hold" grpId="0" nodeType="withEffect">
+                                  <p:stCondLst>
+                                    <p:cond delay="0"/>
+                                  </p:stCondLst>
+                                  <p:childTnLst>
+                                    <p:set>
+                                      <p:cBhvr>
+                                        <p:cTn id="12" dur="1" fill="hold">
+                                          <p:stCondLst>
+                                            <p:cond delay="0"/>
+                                          </p:stCondLst>
+                                        </p:cTn>
+                                        <p:tgtEl>
+                                          <p:spTgt spid="11"/>
+                                        </p:tgtEl>
+                                        <p:attrNameLst>
+                                          <p:attrName>style.visibility</p:attrName>
+                                        </p:attrNameLst>
+                                      </p:cBhvr>
+                                      <p:to>
+                                        <p:strVal val="visible"/>
+                                      </p:to>
+                                    </p:set>
+                                    <p:animEffect transition="in" filter="fade">
+                                      <p:cBhvr>
+                                        <p:cTn id="13" dur="500"/>
+                                        <p:tgtEl>
+                                          <p:spTgt spid="11"/>
+                                        </p:tgtEl>
+                                      </p:cBhvr>
+                                    </p:animEffect>
+                                  </p:childTnLst>
+                                </p:cTn>
+                              </p:par>
+                              <p:par>
+                                <p:cTn id="14" presetID="10" presetClass="entr" presetSubtype="0" fill="hold" nodeType="withEffect">
+                                  <p:stCondLst>
+                                    <p:cond delay="0"/>
+                                  </p:stCondLst>
+                                  <p:childTnLst>
+                                    <p:set>
+                                      <p:cBhvr>
+                                        <p:cTn id="15" dur="1" fill="hold">
+                                          <p:stCondLst>
+                                            <p:cond delay="0"/>
+                                          </p:stCondLst>
+                                        </p:cTn>
+                                        <p:tgtEl>
+                                          <p:spTgt spid="10"/>
+                                        </p:tgtEl>
+                                        <p:attrNameLst>
+                                          <p:attrName>style.visibility</p:attrName>
+                                        </p:attrNameLst>
+                                      </p:cBhvr>
+                                      <p:to>
+                                        <p:strVal val="visible"/>
+                                      </p:to>
+                                    </p:set>
+                                    <p:animEffect transition="in" filter="fade">
+                                      <p:cBhvr>
+                                        <p:cTn id="16" dur="500"/>
+                                        <p:tgtEl>
+                                          <p:spTgt spid="10"/>
+                                        </p:tgtEl>
+                                      </p:cBhvr>
+                                    </p:animEffect>
+                                  </p:childTnLst>
+                                </p:cTn>
+                              </p:par>
+                            </p:childTnLst>
+                          </p:cTn>
+                        </p:par>
+                      </p:childTnLst>
+                    </p:cTn>
+                  </p:par>
+                </p:childTnLst>
+              </p:cTn>
+              <p:prevCondLst>
+                <p:cond evt="onPrev" delay="0">
+                  <p:tgtEl>
+                    <p:sldTgt/>
+                  </p:tgtEl>
+                </p:cond>
+              </p:prevCondLst>
+              <p:nextCondLst>
+                <p:cond evt="onNext" delay="0">
+                  <p:tgtEl>
+                    <p:sldTgt/>
+                  </p:tgtEl>
+                </p:cond>
+              </p:nextCondLst>
+            </p:seq>
+          </p:childTnLst>
+        </p:cTn>
+      </p:par>
+    </p:tnLst>
+    <p:bldLst>
+      <p:bldP spid="11" grpId="0"/>
+    </p:bldLst>
+  </p:timing>
 </p:sld>
 </file>
 

--- a/Query Millions of WGS Variants in Minutes with Azure Synapse.pptx
+++ b/Query Millions of WGS Variants in Minutes with Azure Synapse.pptx
@@ -21532,8 +21532,8 @@
         </p:nvSpPr>
         <p:spPr>
           <a:xfrm>
-            <a:off x="1239520" y="4937544"/>
-            <a:ext cx="3048002" cy="433923"/>
+            <a:off x="632818" y="4937544"/>
+            <a:ext cx="3654704" cy="433923"/>
           </a:xfrm>
           <a:prstGeom prst="rect">
             <a:avLst/>
@@ -21541,7 +21541,7 @@
         </p:spPr>
         <p:txBody>
           <a:bodyPr vert="horz" lIns="91440" tIns="45720" rIns="91440" bIns="45720" rtlCol="0">
-            <a:normAutofit fontScale="92500"/>
+            <a:normAutofit fontScale="85000" lnSpcReduction="10000"/>
           </a:bodyPr>
           <a:lstStyle>
             <a:lvl1pPr marL="0" indent="0" algn="ctr" defTabSz="914400" rtl="0" eaLnBrk="1" latinLnBrk="0" hangingPunct="1">
@@ -21729,7 +21729,7 @@
           <a:p>
             <a:r>
               <a:rPr lang="en-US" dirty="0"/>
-              <a:t>+ 2 lines for some stats…</a:t>
+              <a:t>+ 2 lines for adding some stats…</a:t>
             </a:r>
           </a:p>
         </p:txBody>
@@ -22772,9 +22772,12 @@
 </file>
 
 <file path=customXml/item1.xml><?xml version="1.0" encoding="utf-8"?>
-<p:properties xmlns:p="http://schemas.microsoft.com/office/2006/metadata/properties" xmlns:xsi="http://www.w3.org/2001/XMLSchema-instance" xmlns:pc="http://schemas.microsoft.com/office/infopath/2007/PartnerControls">
-  <documentManagement/>
-</p:properties>
+<?mso-contentType ?>
+<FormTemplates xmlns="http://schemas.microsoft.com/sharepoint/v3/contenttype/forms">
+  <Display>DocumentLibraryForm</Display>
+  <Edit>DocumentLibraryForm</Edit>
+  <New>DocumentLibraryForm</New>
+</FormTemplates>
 </file>
 
 <file path=customXml/item2.xml><?xml version="1.0" encoding="utf-8"?>
@@ -22995,27 +22998,15 @@
 </file>
 
 <file path=customXml/item3.xml><?xml version="1.0" encoding="utf-8"?>
-<?mso-contentType ?>
-<FormTemplates xmlns="http://schemas.microsoft.com/sharepoint/v3/contenttype/forms">
-  <Display>DocumentLibraryForm</Display>
-  <Edit>DocumentLibraryForm</Edit>
-  <New>DocumentLibraryForm</New>
-</FormTemplates>
+<p:properties xmlns:p="http://schemas.microsoft.com/office/2006/metadata/properties" xmlns:xsi="http://www.w3.org/2001/XMLSchema-instance" xmlns:pc="http://schemas.microsoft.com/office/infopath/2007/PartnerControls">
+  <documentManagement/>
+</p:properties>
 </file>
 
 <file path=customXml/itemProps1.xml><?xml version="1.0" encoding="utf-8"?>
-<ds:datastoreItem xmlns:ds="http://schemas.openxmlformats.org/officeDocument/2006/customXml" ds:itemID="{FC33B9D5-02D4-401E-8D6E-4A90AB3E6F07}">
+<ds:datastoreItem xmlns:ds="http://schemas.openxmlformats.org/officeDocument/2006/customXml" ds:itemID="{03544C00-1862-47D1-9C8A-A1312D414BF5}">
   <ds:schemaRefs>
-    <ds:schemaRef ds:uri="http://purl.org/dc/dcmitype/"/>
-    <ds:schemaRef ds:uri="http://purl.org/dc/terms/"/>
-    <ds:schemaRef ds:uri="http://purl.org/dc/elements/1.1/"/>
-    <ds:schemaRef ds:uri="http://schemas.microsoft.com/office/infopath/2007/PartnerControls"/>
-    <ds:schemaRef ds:uri="http://www.w3.org/XML/1998/namespace"/>
-    <ds:schemaRef ds:uri="http://schemas.microsoft.com/office/2006/documentManagement/types"/>
-    <ds:schemaRef ds:uri="92b23c1a-e308-4fa6-ae35-664bd56a52cf"/>
-    <ds:schemaRef ds:uri="http://schemas.openxmlformats.org/package/2006/metadata/core-properties"/>
-    <ds:schemaRef ds:uri="5a60e6d5-588c-40ce-b042-e8c17b50cd64"/>
-    <ds:schemaRef ds:uri="http://schemas.microsoft.com/office/2006/metadata/properties"/>
+    <ds:schemaRef ds:uri="http://schemas.microsoft.com/sharepoint/v3/contenttype/forms"/>
   </ds:schemaRefs>
 </ds:datastoreItem>
 </file>
@@ -23040,9 +23031,18 @@
 </file>
 
 <file path=customXml/itemProps3.xml><?xml version="1.0" encoding="utf-8"?>
-<ds:datastoreItem xmlns:ds="http://schemas.openxmlformats.org/officeDocument/2006/customXml" ds:itemID="{03544C00-1862-47D1-9C8A-A1312D414BF5}">
+<ds:datastoreItem xmlns:ds="http://schemas.openxmlformats.org/officeDocument/2006/customXml" ds:itemID="{FC33B9D5-02D4-401E-8D6E-4A90AB3E6F07}">
   <ds:schemaRefs>
-    <ds:schemaRef ds:uri="http://schemas.microsoft.com/sharepoint/v3/contenttype/forms"/>
+    <ds:schemaRef ds:uri="http://purl.org/dc/dcmitype/"/>
+    <ds:schemaRef ds:uri="http://purl.org/dc/terms/"/>
+    <ds:schemaRef ds:uri="http://purl.org/dc/elements/1.1/"/>
+    <ds:schemaRef ds:uri="http://schemas.microsoft.com/office/infopath/2007/PartnerControls"/>
+    <ds:schemaRef ds:uri="http://www.w3.org/XML/1998/namespace"/>
+    <ds:schemaRef ds:uri="http://schemas.microsoft.com/office/2006/documentManagement/types"/>
+    <ds:schemaRef ds:uri="92b23c1a-e308-4fa6-ae35-664bd56a52cf"/>
+    <ds:schemaRef ds:uri="http://schemas.openxmlformats.org/package/2006/metadata/core-properties"/>
+    <ds:schemaRef ds:uri="5a60e6d5-588c-40ce-b042-e8c17b50cd64"/>
+    <ds:schemaRef ds:uri="http://schemas.microsoft.com/office/2006/metadata/properties"/>
   </ds:schemaRefs>
 </ds:datastoreItem>
 </file>
--- a/Query Millions of WGS Variants in Minutes with Azure Synapse.pptx
+++ b/Query Millions of WGS Variants in Minutes with Azure Synapse.pptx
@@ -964,64 +964,6 @@
         </a:p>
       </dgm:t>
     </dgm:pt>
-    <dgm:pt modelId="{C783185F-8EF0-4A52-A484-4F698E014B22}">
-      <dgm:prSet phldrT="[Text]" custT="1"/>
-      <dgm:spPr>
-        <a:solidFill>
-          <a:schemeClr val="accent1"/>
-        </a:solidFill>
-      </dgm:spPr>
-      <dgm:t>
-        <a:bodyPr/>
-        <a:lstStyle/>
-        <a:p>
-          <a:r>
-            <a:rPr lang="en-US" sz="3600" b="1" dirty="0">
-              <a:latin typeface="Segoe UI" panose="020B0502040204020203" pitchFamily="34" charset="0"/>
-              <a:cs typeface="Segoe UI" panose="020B0502040204020203" pitchFamily="34" charset="0"/>
-            </a:rPr>
-            <a:t>Phase 3</a:t>
-          </a:r>
-        </a:p>
-        <a:p>
-          <a:r>
-            <a:rPr lang="en-US" sz="2400" b="1" dirty="0">
-              <a:latin typeface="Segoe UI" panose="020B0502040204020203" pitchFamily="34" charset="0"/>
-              <a:cs typeface="Segoe UI" panose="020B0502040204020203" pitchFamily="34" charset="0"/>
-            </a:rPr>
-            <a:t>(GRCh38)</a:t>
-          </a:r>
-        </a:p>
-      </dgm:t>
-    </dgm:pt>
-    <dgm:pt modelId="{72ECB6A2-4133-451B-9DED-E6A5898730A1}" type="parTrans" cxnId="{49E51D5C-4788-494A-81E4-69D5A39F959C}">
-      <dgm:prSet/>
-      <dgm:spPr/>
-      <dgm:t>
-        <a:bodyPr/>
-        <a:lstStyle/>
-        <a:p>
-          <a:endParaRPr lang="en-US" b="1">
-            <a:latin typeface="Segoe UI" panose="020B0502040204020203" pitchFamily="34" charset="0"/>
-            <a:cs typeface="Segoe UI" panose="020B0502040204020203" pitchFamily="34" charset="0"/>
-          </a:endParaRPr>
-        </a:p>
-      </dgm:t>
-    </dgm:pt>
-    <dgm:pt modelId="{1F083051-EA46-4262-A237-04E157CCF6BF}" type="sibTrans" cxnId="{49E51D5C-4788-494A-81E4-69D5A39F959C}">
-      <dgm:prSet/>
-      <dgm:spPr/>
-      <dgm:t>
-        <a:bodyPr/>
-        <a:lstStyle/>
-        <a:p>
-          <a:endParaRPr lang="en-US" b="1">
-            <a:latin typeface="Segoe UI" panose="020B0502040204020203" pitchFamily="34" charset="0"/>
-            <a:cs typeface="Segoe UI" panose="020B0502040204020203" pitchFamily="34" charset="0"/>
-          </a:endParaRPr>
-        </a:p>
-      </dgm:t>
-    </dgm:pt>
     <dgm:pt modelId="{69752319-C07F-47BE-BF9D-8E2CEDE836D2}">
       <dgm:prSet phldrT="[Text]" custT="1"/>
       <dgm:spPr>
@@ -1058,55 +1000,6 @@
       </dgm:t>
     </dgm:pt>
     <dgm:pt modelId="{8C09B2E1-8778-4C00-BD74-952A35EE0F91}" type="sibTrans" cxnId="{813F7F9F-98B4-4040-A144-D50F60A05F58}">
-      <dgm:prSet/>
-      <dgm:spPr/>
-      <dgm:t>
-        <a:bodyPr/>
-        <a:lstStyle/>
-        <a:p>
-          <a:endParaRPr lang="en-US" b="1">
-            <a:latin typeface="Segoe UI" panose="020B0502040204020203" pitchFamily="34" charset="0"/>
-            <a:cs typeface="Segoe UI" panose="020B0502040204020203" pitchFamily="34" charset="0"/>
-          </a:endParaRPr>
-        </a:p>
-      </dgm:t>
-    </dgm:pt>
-    <dgm:pt modelId="{85C5AE60-10BD-4D70-8123-1230CA782941}">
-      <dgm:prSet phldrT="[Text]" custT="1"/>
-      <dgm:spPr>
-        <a:solidFill>
-          <a:schemeClr val="accent1"/>
-        </a:solidFill>
-      </dgm:spPr>
-      <dgm:t>
-        <a:bodyPr/>
-        <a:lstStyle/>
-        <a:p>
-          <a:r>
-            <a:rPr lang="en-US" sz="2800" b="1" dirty="0">
-              <a:latin typeface="Segoe UI" panose="020B0502040204020203" pitchFamily="34" charset="0"/>
-              <a:cs typeface="Segoe UI" panose="020B0502040204020203" pitchFamily="34" charset="0"/>
-            </a:rPr>
-            <a:t>Parquet File Size: ~75GB</a:t>
-          </a:r>
-        </a:p>
-      </dgm:t>
-    </dgm:pt>
-    <dgm:pt modelId="{5E6EE409-6E1D-4B86-8C53-8039A10859A5}" type="parTrans" cxnId="{268AF383-36CB-4022-BB1E-92FCA7DC6B5B}">
-      <dgm:prSet/>
-      <dgm:spPr/>
-      <dgm:t>
-        <a:bodyPr/>
-        <a:lstStyle/>
-        <a:p>
-          <a:endParaRPr lang="en-US" b="1">
-            <a:latin typeface="Segoe UI" panose="020B0502040204020203" pitchFamily="34" charset="0"/>
-            <a:cs typeface="Segoe UI" panose="020B0502040204020203" pitchFamily="34" charset="0"/>
-          </a:endParaRPr>
-        </a:p>
-      </dgm:t>
-    </dgm:pt>
-    <dgm:pt modelId="{DC850021-9BFA-4102-AFFB-9D719095E93B}" type="sibTrans" cxnId="{268AF383-36CB-4022-BB1E-92FCA7DC6B5B}">
       <dgm:prSet/>
       <dgm:spPr/>
       <dgm:t>
@@ -1212,6 +1105,109 @@
         </a:p>
       </dgm:t>
     </dgm:pt>
+    <dgm:pt modelId="{A8BFED47-0011-41C3-845A-5674BFC261A6}">
+      <dgm:prSet phldrT="[Text]" custT="1"/>
+      <dgm:spPr>
+        <a:solidFill>
+          <a:schemeClr val="accent1"/>
+        </a:solidFill>
+      </dgm:spPr>
+      <dgm:t>
+        <a:bodyPr/>
+        <a:lstStyle/>
+        <a:p>
+          <a:r>
+            <a:rPr lang="en-US" sz="2800" b="1">
+              <a:latin typeface="Segoe UI" panose="020B0502040204020203" pitchFamily="34" charset="0"/>
+              <a:cs typeface="Segoe UI" panose="020B0502040204020203" pitchFamily="34" charset="0"/>
+            </a:rPr>
+            <a:t>Phase 3</a:t>
+          </a:r>
+        </a:p>
+        <a:p>
+          <a:r>
+            <a:rPr lang="en-US" sz="2800" b="1">
+              <a:latin typeface="Segoe UI" panose="020B0502040204020203" pitchFamily="34" charset="0"/>
+              <a:cs typeface="Segoe UI" panose="020B0502040204020203" pitchFamily="34" charset="0"/>
+            </a:rPr>
+            <a:t>(GRCh38)</a:t>
+          </a:r>
+          <a:endParaRPr lang="en-US" sz="2800" b="1" dirty="0">
+            <a:latin typeface="Segoe UI" panose="020B0502040204020203" pitchFamily="34" charset="0"/>
+            <a:cs typeface="Segoe UI" panose="020B0502040204020203" pitchFamily="34" charset="0"/>
+          </a:endParaRPr>
+        </a:p>
+      </dgm:t>
+    </dgm:pt>
+    <dgm:pt modelId="{376D6B1D-864A-488C-A0C7-52A782DAE888}" type="parTrans" cxnId="{C944079B-7569-4FAD-A259-F329C0F1E651}">
+      <dgm:prSet/>
+      <dgm:spPr/>
+      <dgm:t>
+        <a:bodyPr/>
+        <a:lstStyle/>
+        <a:p>
+          <a:endParaRPr lang="en-US"/>
+        </a:p>
+      </dgm:t>
+    </dgm:pt>
+    <dgm:pt modelId="{696B3670-F82F-4FEF-B714-693B34F7308E}" type="sibTrans" cxnId="{C944079B-7569-4FAD-A259-F329C0F1E651}">
+      <dgm:prSet/>
+      <dgm:spPr/>
+      <dgm:t>
+        <a:bodyPr/>
+        <a:lstStyle/>
+        <a:p>
+          <a:endParaRPr lang="en-US"/>
+        </a:p>
+      </dgm:t>
+    </dgm:pt>
+    <dgm:pt modelId="{C7225AA2-A139-4B64-BB3B-6326248CF147}">
+      <dgm:prSet phldrT="[Text]" custT="1"/>
+      <dgm:spPr>
+        <a:solidFill>
+          <a:schemeClr val="accent1"/>
+        </a:solidFill>
+      </dgm:spPr>
+      <dgm:t>
+        <a:bodyPr/>
+        <a:lstStyle/>
+        <a:p>
+          <a:r>
+            <a:rPr lang="en-US" sz="2800" b="1">
+              <a:latin typeface="Segoe UI" panose="020B0502040204020203" pitchFamily="34" charset="0"/>
+              <a:cs typeface="Segoe UI" panose="020B0502040204020203" pitchFamily="34" charset="0"/>
+            </a:rPr>
+            <a:t>Parquet File Size: ~75GB</a:t>
+          </a:r>
+          <a:endParaRPr lang="en-US" sz="2800" b="1" dirty="0">
+            <a:latin typeface="Segoe UI" panose="020B0502040204020203" pitchFamily="34" charset="0"/>
+            <a:cs typeface="Segoe UI" panose="020B0502040204020203" pitchFamily="34" charset="0"/>
+          </a:endParaRPr>
+        </a:p>
+      </dgm:t>
+    </dgm:pt>
+    <dgm:pt modelId="{C389A8E8-5DA5-4044-BC14-1F0A4971FCED}" type="parTrans" cxnId="{66281C8E-C208-4C5E-A893-C1F9194FA7E1}">
+      <dgm:prSet/>
+      <dgm:spPr/>
+      <dgm:t>
+        <a:bodyPr/>
+        <a:lstStyle/>
+        <a:p>
+          <a:endParaRPr lang="en-US"/>
+        </a:p>
+      </dgm:t>
+    </dgm:pt>
+    <dgm:pt modelId="{D3EE6B8D-1F67-48C9-B372-56FC2086E317}" type="sibTrans" cxnId="{66281C8E-C208-4C5E-A893-C1F9194FA7E1}">
+      <dgm:prSet/>
+      <dgm:spPr/>
+      <dgm:t>
+        <a:bodyPr/>
+        <a:lstStyle/>
+        <a:p>
+          <a:endParaRPr lang="en-US"/>
+        </a:p>
+      </dgm:t>
+    </dgm:pt>
     <dgm:pt modelId="{2A75EBA5-F8E5-4485-A146-E361AB76D007}" type="pres">
       <dgm:prSet presAssocID="{BB2C2E2B-0529-43BB-A848-CB5BBB683949}" presName="Name0" presStyleCnt="0">
         <dgm:presLayoutVars>
@@ -1272,36 +1268,12 @@
       <dgm:prSet presAssocID="{2D19F3A1-1A57-48DE-BF07-2A4F9031723E}" presName="horzTwo" presStyleCnt="0"/>
       <dgm:spPr/>
     </dgm:pt>
-    <dgm:pt modelId="{DEF30469-2AC3-46EA-94AF-64C59CA4BC29}" type="pres">
-      <dgm:prSet presAssocID="{C783185F-8EF0-4A52-A484-4F698E014B22}" presName="vertThree" presStyleCnt="0"/>
-      <dgm:spPr/>
-    </dgm:pt>
-    <dgm:pt modelId="{AE7873C4-9217-42FD-9F32-818BFB9462A8}" type="pres">
-      <dgm:prSet presAssocID="{C783185F-8EF0-4A52-A484-4F698E014B22}" presName="txThree" presStyleLbl="node3" presStyleIdx="0" presStyleCnt="3">
-        <dgm:presLayoutVars>
-          <dgm:chPref val="3"/>
-        </dgm:presLayoutVars>
-      </dgm:prSet>
-      <dgm:spPr>
-        <a:prstGeom prst="rect">
-          <a:avLst/>
-        </a:prstGeom>
-      </dgm:spPr>
-    </dgm:pt>
-    <dgm:pt modelId="{0C5A80B6-0C60-48C3-84A8-4D6D0FF79C68}" type="pres">
-      <dgm:prSet presAssocID="{C783185F-8EF0-4A52-A484-4F698E014B22}" presName="horzThree" presStyleCnt="0"/>
-      <dgm:spPr/>
-    </dgm:pt>
-    <dgm:pt modelId="{5F146C85-007B-4F30-8BC0-79D4945CD2CC}" type="pres">
-      <dgm:prSet presAssocID="{1F083051-EA46-4262-A237-04E157CCF6BF}" presName="sibSpaceThree" presStyleCnt="0"/>
-      <dgm:spPr/>
-    </dgm:pt>
     <dgm:pt modelId="{387EB1FC-66F4-4B7F-B0F0-025DD8EE6CBB}" type="pres">
       <dgm:prSet presAssocID="{69752319-C07F-47BE-BF9D-8E2CEDE836D2}" presName="vertThree" presStyleCnt="0"/>
       <dgm:spPr/>
     </dgm:pt>
     <dgm:pt modelId="{33BE92E6-9293-411F-98C7-1B3EACBEB49F}" type="pres">
-      <dgm:prSet presAssocID="{69752319-C07F-47BE-BF9D-8E2CEDE836D2}" presName="txThree" presStyleLbl="node3" presStyleIdx="1" presStyleCnt="3">
+      <dgm:prSet presAssocID="{69752319-C07F-47BE-BF9D-8E2CEDE836D2}" presName="txThree" presStyleLbl="node3" presStyleIdx="0" presStyleCnt="3">
         <dgm:presLayoutVars>
           <dgm:chPref val="3"/>
         </dgm:presLayoutVars>
@@ -1314,6 +1286,30 @@
     </dgm:pt>
     <dgm:pt modelId="{88602FFC-4B0F-4271-837B-F442B5778567}" type="pres">
       <dgm:prSet presAssocID="{69752319-C07F-47BE-BF9D-8E2CEDE836D2}" presName="horzThree" presStyleCnt="0"/>
+      <dgm:spPr/>
+    </dgm:pt>
+    <dgm:pt modelId="{2F4A3C0D-25D1-44C1-B6BD-A4143E6AD2C9}" type="pres">
+      <dgm:prSet presAssocID="{8C09B2E1-8778-4C00-BD74-952A35EE0F91}" presName="sibSpaceThree" presStyleCnt="0"/>
+      <dgm:spPr/>
+    </dgm:pt>
+    <dgm:pt modelId="{598781D4-52A7-45FD-AADB-4686F7540382}" type="pres">
+      <dgm:prSet presAssocID="{C7225AA2-A139-4B64-BB3B-6326248CF147}" presName="vertThree" presStyleCnt="0"/>
+      <dgm:spPr/>
+    </dgm:pt>
+    <dgm:pt modelId="{03A4DFD7-3C9A-4D92-B2FD-5095F92D31B0}" type="pres">
+      <dgm:prSet presAssocID="{C7225AA2-A139-4B64-BB3B-6326248CF147}" presName="txThree" presStyleLbl="node3" presStyleIdx="1" presStyleCnt="3">
+        <dgm:presLayoutVars>
+          <dgm:chPref val="3"/>
+        </dgm:presLayoutVars>
+      </dgm:prSet>
+      <dgm:spPr>
+        <a:prstGeom prst="rect">
+          <a:avLst/>
+        </a:prstGeom>
+      </dgm:spPr>
+    </dgm:pt>
+    <dgm:pt modelId="{3DDE6465-673E-4B28-9B44-CD48C6DA3E18}" type="pres">
+      <dgm:prSet presAssocID="{C7225AA2-A139-4B64-BB3B-6326248CF147}" presName="horzThree" presStyleCnt="0"/>
       <dgm:spPr/>
     </dgm:pt>
     <dgm:pt modelId="{354B8E66-E331-4133-BE78-8131E8A08BC1}" type="pres">
@@ -1344,12 +1340,12 @@
       <dgm:prSet presAssocID="{5DE5C466-066A-4D85-ABBC-5DF1C2F01E67}" presName="horzTwo" presStyleCnt="0"/>
       <dgm:spPr/>
     </dgm:pt>
-    <dgm:pt modelId="{C732449F-02EA-4057-BCAC-07F097453C16}" type="pres">
-      <dgm:prSet presAssocID="{85C5AE60-10BD-4D70-8123-1230CA782941}" presName="vertThree" presStyleCnt="0"/>
+    <dgm:pt modelId="{DDD48EC2-814D-426D-8EC0-B3A61D561B6F}" type="pres">
+      <dgm:prSet presAssocID="{A8BFED47-0011-41C3-845A-5674BFC261A6}" presName="vertThree" presStyleCnt="0"/>
       <dgm:spPr/>
     </dgm:pt>
-    <dgm:pt modelId="{A5299E66-8E01-4673-ABC2-9E3B8CB88A8B}" type="pres">
-      <dgm:prSet presAssocID="{85C5AE60-10BD-4D70-8123-1230CA782941}" presName="txThree" presStyleLbl="node3" presStyleIdx="2" presStyleCnt="3">
+    <dgm:pt modelId="{F3BD2FFC-DCE7-49E6-A92C-37079425E509}" type="pres">
+      <dgm:prSet presAssocID="{A8BFED47-0011-41C3-845A-5674BFC261A6}" presName="txThree" presStyleLbl="node3" presStyleIdx="2" presStyleCnt="3">
         <dgm:presLayoutVars>
           <dgm:chPref val="3"/>
         </dgm:presLayoutVars>
@@ -1360,23 +1356,23 @@
         </a:prstGeom>
       </dgm:spPr>
     </dgm:pt>
-    <dgm:pt modelId="{27823355-9C71-4A3F-8DAE-160A9D81FDE2}" type="pres">
-      <dgm:prSet presAssocID="{85C5AE60-10BD-4D70-8123-1230CA782941}" presName="horzThree" presStyleCnt="0"/>
+    <dgm:pt modelId="{25F617A5-D1EE-439E-A309-B62CAAC5F7B2}" type="pres">
+      <dgm:prSet presAssocID="{A8BFED47-0011-41C3-845A-5674BFC261A6}" presName="horzThree" presStyleCnt="0"/>
       <dgm:spPr/>
     </dgm:pt>
   </dgm:ptLst>
   <dgm:cxnLst>
+    <dgm:cxn modelId="{9BCDD014-024D-4C57-BF0F-6B2E8DBE3894}" type="presOf" srcId="{A8BFED47-0011-41C3-845A-5674BFC261A6}" destId="{F3BD2FFC-DCE7-49E6-A92C-37079425E509}" srcOrd="0" destOrd="0" presId="urn:microsoft.com/office/officeart/2005/8/layout/hierarchy4"/>
     <dgm:cxn modelId="{8BC21523-E9DD-452D-B162-CD85248B5B57}" type="presOf" srcId="{5DE5C466-066A-4D85-ABBC-5DF1C2F01E67}" destId="{B8AE5867-B8D7-412B-B959-0B47D66EB627}" srcOrd="0" destOrd="0" presId="urn:microsoft.com/office/officeart/2005/8/layout/hierarchy4"/>
-    <dgm:cxn modelId="{49E51D5C-4788-494A-81E4-69D5A39F959C}" srcId="{2D19F3A1-1A57-48DE-BF07-2A4F9031723E}" destId="{C783185F-8EF0-4A52-A484-4F698E014B22}" srcOrd="0" destOrd="0" parTransId="{72ECB6A2-4133-451B-9DED-E6A5898730A1}" sibTransId="{1F083051-EA46-4262-A237-04E157CCF6BF}"/>
     <dgm:cxn modelId="{B8AFF463-D1C6-49FB-B9E3-E82903CC8E00}" type="presOf" srcId="{69752319-C07F-47BE-BF9D-8E2CEDE836D2}" destId="{33BE92E6-9293-411F-98C7-1B3EACBEB49F}" srcOrd="0" destOrd="0" presId="urn:microsoft.com/office/officeart/2005/8/layout/hierarchy4"/>
-    <dgm:cxn modelId="{24B54B44-8239-4B2E-A9D8-D8FA10AA9D17}" type="presOf" srcId="{85C5AE60-10BD-4D70-8123-1230CA782941}" destId="{A5299E66-8E01-4673-ABC2-9E3B8CB88A8B}" srcOrd="0" destOrd="0" presId="urn:microsoft.com/office/officeart/2005/8/layout/hierarchy4"/>
     <dgm:cxn modelId="{67BFFA6C-CCC5-4E71-B484-F23E8DAF4213}" srcId="{31153EEE-B485-41A7-8F95-BA657D108B1E}" destId="{5DE5C466-066A-4D85-ABBC-5DF1C2F01E67}" srcOrd="1" destOrd="0" parTransId="{4E3AB1CF-7D60-41DB-9F54-D5ECD4CAD647}" sibTransId="{C14D48DF-D436-43A4-926F-7BF395742B34}"/>
-    <dgm:cxn modelId="{268AF383-36CB-4022-BB1E-92FCA7DC6B5B}" srcId="{5DE5C466-066A-4D85-ABBC-5DF1C2F01E67}" destId="{85C5AE60-10BD-4D70-8123-1230CA782941}" srcOrd="0" destOrd="0" parTransId="{5E6EE409-6E1D-4B86-8C53-8039A10859A5}" sibTransId="{DC850021-9BFA-4102-AFFB-9D719095E93B}"/>
+    <dgm:cxn modelId="{FBB6567C-731F-497D-96CC-6E06FBF8A056}" type="presOf" srcId="{C7225AA2-A139-4B64-BB3B-6326248CF147}" destId="{03A4DFD7-3C9A-4D92-B2FD-5095F92D31B0}" srcOrd="0" destOrd="0" presId="urn:microsoft.com/office/officeart/2005/8/layout/hierarchy4"/>
+    <dgm:cxn modelId="{66281C8E-C208-4C5E-A893-C1F9194FA7E1}" srcId="{2D19F3A1-1A57-48DE-BF07-2A4F9031723E}" destId="{C7225AA2-A139-4B64-BB3B-6326248CF147}" srcOrd="1" destOrd="0" parTransId="{C389A8E8-5DA5-4044-BC14-1F0A4971FCED}" sibTransId="{D3EE6B8D-1F67-48C9-B372-56FC2086E317}"/>
     <dgm:cxn modelId="{7C55D099-4B0B-48FD-A526-6DB74EFC1341}" srcId="{31153EEE-B485-41A7-8F95-BA657D108B1E}" destId="{2D19F3A1-1A57-48DE-BF07-2A4F9031723E}" srcOrd="0" destOrd="0" parTransId="{FB10D1DF-63B9-4478-B23E-1F1A36A90159}" sibTransId="{30F7BFF0-BB6C-47EC-95FF-ACAC7C61D7F3}"/>
-    <dgm:cxn modelId="{813F7F9F-98B4-4040-A144-D50F60A05F58}" srcId="{2D19F3A1-1A57-48DE-BF07-2A4F9031723E}" destId="{69752319-C07F-47BE-BF9D-8E2CEDE836D2}" srcOrd="1" destOrd="0" parTransId="{BB33ACF7-8DF0-4128-A64C-A6193A5F0597}" sibTransId="{8C09B2E1-8778-4C00-BD74-952A35EE0F91}"/>
+    <dgm:cxn modelId="{C944079B-7569-4FAD-A259-F329C0F1E651}" srcId="{5DE5C466-066A-4D85-ABBC-5DF1C2F01E67}" destId="{A8BFED47-0011-41C3-845A-5674BFC261A6}" srcOrd="0" destOrd="0" parTransId="{376D6B1D-864A-488C-A0C7-52A782DAE888}" sibTransId="{696B3670-F82F-4FEF-B714-693B34F7308E}"/>
+    <dgm:cxn modelId="{813F7F9F-98B4-4040-A144-D50F60A05F58}" srcId="{2D19F3A1-1A57-48DE-BF07-2A4F9031723E}" destId="{69752319-C07F-47BE-BF9D-8E2CEDE836D2}" srcOrd="0" destOrd="0" parTransId="{BB33ACF7-8DF0-4128-A64C-A6193A5F0597}" sibTransId="{8C09B2E1-8778-4C00-BD74-952A35EE0F91}"/>
     <dgm:cxn modelId="{18308AA4-9589-46A1-98A4-A192EC960F2B}" srcId="{BB2C2E2B-0529-43BB-A848-CB5BBB683949}" destId="{31153EEE-B485-41A7-8F95-BA657D108B1E}" srcOrd="0" destOrd="0" parTransId="{4734890E-8C72-45F0-9015-DBFCEDA8204C}" sibTransId="{F894BF0F-DCF0-405B-8F95-CB912DE9F2C1}"/>
     <dgm:cxn modelId="{C5EE6DA7-AFDB-4396-B757-38DD21ED6C50}" type="presOf" srcId="{31153EEE-B485-41A7-8F95-BA657D108B1E}" destId="{437B3E3D-D6B6-4747-A880-0AB28D2A3AAF}" srcOrd="0" destOrd="0" presId="urn:microsoft.com/office/officeart/2005/8/layout/hierarchy4"/>
-    <dgm:cxn modelId="{5583A9B6-7568-47A9-A868-4959949A806F}" type="presOf" srcId="{C783185F-8EF0-4A52-A484-4F698E014B22}" destId="{AE7873C4-9217-42FD-9F32-818BFB9462A8}" srcOrd="0" destOrd="0" presId="urn:microsoft.com/office/officeart/2005/8/layout/hierarchy4"/>
     <dgm:cxn modelId="{84D486E2-A6C9-42B8-8129-723BF98E124E}" type="presOf" srcId="{2D19F3A1-1A57-48DE-BF07-2A4F9031723E}" destId="{2F14CD38-6701-49FF-841C-1BC86CAC943C}" srcOrd="0" destOrd="0" presId="urn:microsoft.com/office/officeart/2005/8/layout/hierarchy4"/>
     <dgm:cxn modelId="{DBF1F7E3-537E-44C8-A5F0-B8F70170C586}" type="presOf" srcId="{BB2C2E2B-0529-43BB-A848-CB5BBB683949}" destId="{2A75EBA5-F8E5-4485-A146-E361AB76D007}" srcOrd="0" destOrd="0" presId="urn:microsoft.com/office/officeart/2005/8/layout/hierarchy4"/>
     <dgm:cxn modelId="{FA1ED021-BEF4-418A-8EFF-AE1DB4044DCC}" type="presParOf" srcId="{2A75EBA5-F8E5-4485-A146-E361AB76D007}" destId="{70033491-BBC5-47DE-BA22-21384C6B6F62}" srcOrd="0" destOrd="0" presId="urn:microsoft.com/office/officeart/2005/8/layout/hierarchy4"/>
@@ -1387,21 +1383,21 @@
     <dgm:cxn modelId="{E6B7F88C-6862-41DC-9402-597191BFE811}" type="presParOf" srcId="{204AB92F-B6D0-4E0E-A042-2AC134B4D1DE}" destId="{2F14CD38-6701-49FF-841C-1BC86CAC943C}" srcOrd="0" destOrd="0" presId="urn:microsoft.com/office/officeart/2005/8/layout/hierarchy4"/>
     <dgm:cxn modelId="{424925F0-E77C-4967-8BC7-583BAA538E51}" type="presParOf" srcId="{204AB92F-B6D0-4E0E-A042-2AC134B4D1DE}" destId="{A0B7CE5A-D92B-4EC7-B0EB-3D8B04582C7B}" srcOrd="1" destOrd="0" presId="urn:microsoft.com/office/officeart/2005/8/layout/hierarchy4"/>
     <dgm:cxn modelId="{3EAF320D-66AF-45ED-A1ED-F10264901A26}" type="presParOf" srcId="{204AB92F-B6D0-4E0E-A042-2AC134B4D1DE}" destId="{658718E5-6E12-4DD8-8F0B-4C67830B41FB}" srcOrd="2" destOrd="0" presId="urn:microsoft.com/office/officeart/2005/8/layout/hierarchy4"/>
-    <dgm:cxn modelId="{FD085151-1DB2-4728-AE8C-0166FCC4E18E}" type="presParOf" srcId="{658718E5-6E12-4DD8-8F0B-4C67830B41FB}" destId="{DEF30469-2AC3-46EA-94AF-64C59CA4BC29}" srcOrd="0" destOrd="0" presId="urn:microsoft.com/office/officeart/2005/8/layout/hierarchy4"/>
-    <dgm:cxn modelId="{68D727CC-8F0F-4A98-994E-23F32DEC82B5}" type="presParOf" srcId="{DEF30469-2AC3-46EA-94AF-64C59CA4BC29}" destId="{AE7873C4-9217-42FD-9F32-818BFB9462A8}" srcOrd="0" destOrd="0" presId="urn:microsoft.com/office/officeart/2005/8/layout/hierarchy4"/>
-    <dgm:cxn modelId="{90024A7D-73F7-4FD0-9004-3EA907EC9732}" type="presParOf" srcId="{DEF30469-2AC3-46EA-94AF-64C59CA4BC29}" destId="{0C5A80B6-0C60-48C3-84A8-4D6D0FF79C68}" srcOrd="1" destOrd="0" presId="urn:microsoft.com/office/officeart/2005/8/layout/hierarchy4"/>
-    <dgm:cxn modelId="{C437D5E9-5244-4919-92B6-C2E1DC769013}" type="presParOf" srcId="{658718E5-6E12-4DD8-8F0B-4C67830B41FB}" destId="{5F146C85-007B-4F30-8BC0-79D4945CD2CC}" srcOrd="1" destOrd="0" presId="urn:microsoft.com/office/officeart/2005/8/layout/hierarchy4"/>
-    <dgm:cxn modelId="{2C988982-D300-49BE-891C-C7DB4564B3E6}" type="presParOf" srcId="{658718E5-6E12-4DD8-8F0B-4C67830B41FB}" destId="{387EB1FC-66F4-4B7F-B0F0-025DD8EE6CBB}" srcOrd="2" destOrd="0" presId="urn:microsoft.com/office/officeart/2005/8/layout/hierarchy4"/>
+    <dgm:cxn modelId="{2C988982-D300-49BE-891C-C7DB4564B3E6}" type="presParOf" srcId="{658718E5-6E12-4DD8-8F0B-4C67830B41FB}" destId="{387EB1FC-66F4-4B7F-B0F0-025DD8EE6CBB}" srcOrd="0" destOrd="0" presId="urn:microsoft.com/office/officeart/2005/8/layout/hierarchy4"/>
     <dgm:cxn modelId="{CE022F25-28EA-4FED-9E74-0D4A72941561}" type="presParOf" srcId="{387EB1FC-66F4-4B7F-B0F0-025DD8EE6CBB}" destId="{33BE92E6-9293-411F-98C7-1B3EACBEB49F}" srcOrd="0" destOrd="0" presId="urn:microsoft.com/office/officeart/2005/8/layout/hierarchy4"/>
     <dgm:cxn modelId="{1022BED3-BD3D-4410-A0F5-875EFAEFC059}" type="presParOf" srcId="{387EB1FC-66F4-4B7F-B0F0-025DD8EE6CBB}" destId="{88602FFC-4B0F-4271-837B-F442B5778567}" srcOrd="1" destOrd="0" presId="urn:microsoft.com/office/officeart/2005/8/layout/hierarchy4"/>
+    <dgm:cxn modelId="{C6E07C5B-FD8E-4858-855C-FD9E294898E4}" type="presParOf" srcId="{658718E5-6E12-4DD8-8F0B-4C67830B41FB}" destId="{2F4A3C0D-25D1-44C1-B6BD-A4143E6AD2C9}" srcOrd="1" destOrd="0" presId="urn:microsoft.com/office/officeart/2005/8/layout/hierarchy4"/>
+    <dgm:cxn modelId="{3A4001BB-BC32-4C4D-BAF3-AD1D88C92EEC}" type="presParOf" srcId="{658718E5-6E12-4DD8-8F0B-4C67830B41FB}" destId="{598781D4-52A7-45FD-AADB-4686F7540382}" srcOrd="2" destOrd="0" presId="urn:microsoft.com/office/officeart/2005/8/layout/hierarchy4"/>
+    <dgm:cxn modelId="{F0B4E794-A149-4E2B-B32A-BC1F3890AFCD}" type="presParOf" srcId="{598781D4-52A7-45FD-AADB-4686F7540382}" destId="{03A4DFD7-3C9A-4D92-B2FD-5095F92D31B0}" srcOrd="0" destOrd="0" presId="urn:microsoft.com/office/officeart/2005/8/layout/hierarchy4"/>
+    <dgm:cxn modelId="{06C680FF-C53E-4F43-BC75-1CB2F14C2C6E}" type="presParOf" srcId="{598781D4-52A7-45FD-AADB-4686F7540382}" destId="{3DDE6465-673E-4B28-9B44-CD48C6DA3E18}" srcOrd="1" destOrd="0" presId="urn:microsoft.com/office/officeart/2005/8/layout/hierarchy4"/>
     <dgm:cxn modelId="{DA332DFE-4B42-4456-96BE-20003B117A1C}" type="presParOf" srcId="{07184807-0344-447E-9B3E-465952D8D641}" destId="{354B8E66-E331-4133-BE78-8131E8A08BC1}" srcOrd="1" destOrd="0" presId="urn:microsoft.com/office/officeart/2005/8/layout/hierarchy4"/>
     <dgm:cxn modelId="{710B28D3-D725-4250-B31D-14EE902CCF7D}" type="presParOf" srcId="{07184807-0344-447E-9B3E-465952D8D641}" destId="{20F3DCF6-E694-4F54-8086-2F2102AE2B31}" srcOrd="2" destOrd="0" presId="urn:microsoft.com/office/officeart/2005/8/layout/hierarchy4"/>
     <dgm:cxn modelId="{EB032B36-7D41-42C9-AF33-54D2E5A2BD36}" type="presParOf" srcId="{20F3DCF6-E694-4F54-8086-2F2102AE2B31}" destId="{B8AE5867-B8D7-412B-B959-0B47D66EB627}" srcOrd="0" destOrd="0" presId="urn:microsoft.com/office/officeart/2005/8/layout/hierarchy4"/>
     <dgm:cxn modelId="{2569FEFC-6EC4-42F1-819D-B037E7CD3EFE}" type="presParOf" srcId="{20F3DCF6-E694-4F54-8086-2F2102AE2B31}" destId="{D6B151F2-878E-495F-84C7-CBBBF7FEECA1}" srcOrd="1" destOrd="0" presId="urn:microsoft.com/office/officeart/2005/8/layout/hierarchy4"/>
     <dgm:cxn modelId="{43637CEB-2E46-4642-A6D7-16B88BDAEDE6}" type="presParOf" srcId="{20F3DCF6-E694-4F54-8086-2F2102AE2B31}" destId="{3507B23E-FAB7-4F9C-BA51-1C61733B3DC0}" srcOrd="2" destOrd="0" presId="urn:microsoft.com/office/officeart/2005/8/layout/hierarchy4"/>
-    <dgm:cxn modelId="{EF8DA893-36B4-40F2-A3F9-BFEBC3EE1EEB}" type="presParOf" srcId="{3507B23E-FAB7-4F9C-BA51-1C61733B3DC0}" destId="{C732449F-02EA-4057-BCAC-07F097453C16}" srcOrd="0" destOrd="0" presId="urn:microsoft.com/office/officeart/2005/8/layout/hierarchy4"/>
-    <dgm:cxn modelId="{AAFC84AA-ABD7-4E33-8BA7-40A55FB33F99}" type="presParOf" srcId="{C732449F-02EA-4057-BCAC-07F097453C16}" destId="{A5299E66-8E01-4673-ABC2-9E3B8CB88A8B}" srcOrd="0" destOrd="0" presId="urn:microsoft.com/office/officeart/2005/8/layout/hierarchy4"/>
-    <dgm:cxn modelId="{3510A772-DD5C-4180-90CC-B56D90382972}" type="presParOf" srcId="{C732449F-02EA-4057-BCAC-07F097453C16}" destId="{27823355-9C71-4A3F-8DAE-160A9D81FDE2}" srcOrd="1" destOrd="0" presId="urn:microsoft.com/office/officeart/2005/8/layout/hierarchy4"/>
+    <dgm:cxn modelId="{D4575D9A-91C3-499D-8624-A11963255E23}" type="presParOf" srcId="{3507B23E-FAB7-4F9C-BA51-1C61733B3DC0}" destId="{DDD48EC2-814D-426D-8EC0-B3A61D561B6F}" srcOrd="0" destOrd="0" presId="urn:microsoft.com/office/officeart/2005/8/layout/hierarchy4"/>
+    <dgm:cxn modelId="{C61E2107-B08B-42B6-A88F-9EBFDBAD1E37}" type="presParOf" srcId="{DDD48EC2-814D-426D-8EC0-B3A61D561B6F}" destId="{F3BD2FFC-DCE7-49E6-A92C-37079425E509}" srcOrd="0" destOrd="0" presId="urn:microsoft.com/office/officeart/2005/8/layout/hierarchy4"/>
+    <dgm:cxn modelId="{02BCC6C2-A9FE-4678-97B6-4F887AE9AE75}" type="presParOf" srcId="{DDD48EC2-814D-426D-8EC0-B3A61D561B6F}" destId="{25F617A5-D1EE-439E-A309-B62CAAC5F7B2}" srcOrd="1" destOrd="0" presId="urn:microsoft.com/office/officeart/2005/8/layout/hierarchy4"/>
   </dgm:cxnLst>
   <dgm:bg/>
   <dgm:whole/>
@@ -1583,7 +1579,7 @@
         <a:ext cx="6076810" cy="1578486"/>
       </dsp:txXfrm>
     </dsp:sp>
-    <dsp:sp modelId="{AE7873C4-9217-42FD-9F32-818BFB9462A8}">
+    <dsp:sp modelId="{33BE92E6-9293-411F-98C7-1B3EACBEB49F}">
       <dsp:nvSpPr>
         <dsp:cNvPr id="0" name=""/>
         <dsp:cNvSpPr/>
@@ -1628,12 +1624,12 @@
         </a:fontRef>
       </dsp:style>
       <dsp:txBody>
-        <a:bodyPr spcFirstLastPara="0" vert="horz" wrap="square" lIns="137160" tIns="137160" rIns="137160" bIns="137160" numCol="1" spcCol="1270" anchor="ctr" anchorCtr="0">
+        <a:bodyPr spcFirstLastPara="0" vert="horz" wrap="square" lIns="106680" tIns="106680" rIns="106680" bIns="106680" numCol="1" spcCol="1270" anchor="ctr" anchorCtr="0">
           <a:noAutofit/>
         </a:bodyPr>
         <a:lstStyle/>
         <a:p>
-          <a:pPr marL="0" lvl="0" indent="0" algn="ctr" defTabSz="1600200">
+          <a:pPr marL="0" lvl="0" indent="0" algn="ctr" defTabSz="1244600">
             <a:lnSpc>
               <a:spcPct val="90000"/>
             </a:lnSpc>
@@ -1646,32 +1642,11 @@
             <a:buNone/>
           </a:pPr>
           <a:r>
-            <a:rPr lang="en-US" sz="3600" b="1" kern="1200" dirty="0">
+            <a:rPr lang="en-US" sz="2800" b="1" kern="1200" dirty="0">
               <a:latin typeface="Segoe UI" panose="020B0502040204020203" pitchFamily="34" charset="0"/>
               <a:cs typeface="Segoe UI" panose="020B0502040204020203" pitchFamily="34" charset="0"/>
             </a:rPr>
-            <a:t>Phase 3</a:t>
-          </a:r>
-        </a:p>
-        <a:p>
-          <a:pPr marL="0" lvl="0" indent="0" algn="ctr" defTabSz="1600200">
-            <a:lnSpc>
-              <a:spcPct val="90000"/>
-            </a:lnSpc>
-            <a:spcBef>
-              <a:spcPct val="0"/>
-            </a:spcBef>
-            <a:spcAft>
-              <a:spcPct val="35000"/>
-            </a:spcAft>
-            <a:buNone/>
-          </a:pPr>
-          <a:r>
-            <a:rPr lang="en-US" sz="2400" b="1" kern="1200" dirty="0">
-              <a:latin typeface="Segoe UI" panose="020B0502040204020203" pitchFamily="34" charset="0"/>
-              <a:cs typeface="Segoe UI" panose="020B0502040204020203" pitchFamily="34" charset="0"/>
-            </a:rPr>
-            <a:t>(GRCh38)</a:t>
+            <a:t>VCF File Size: ~168GB</a:t>
           </a:r>
         </a:p>
       </dsp:txBody>
@@ -1680,7 +1655,7 @@
         <a:ext cx="2975911" cy="1578486"/>
       </dsp:txXfrm>
     </dsp:sp>
-    <dsp:sp modelId="{33BE92E6-9293-411F-98C7-1B3EACBEB49F}">
+    <dsp:sp modelId="{03A4DFD7-3C9A-4D92-B2FD-5095F92D31B0}">
       <dsp:nvSpPr>
         <dsp:cNvPr id="0" name=""/>
         <dsp:cNvSpPr/>
@@ -1743,12 +1718,16 @@
             <a:buNone/>
           </a:pPr>
           <a:r>
-            <a:rPr lang="en-US" sz="2800" b="1" kern="1200" dirty="0">
+            <a:rPr lang="en-US" sz="2800" b="1" kern="1200">
               <a:latin typeface="Segoe UI" panose="020B0502040204020203" pitchFamily="34" charset="0"/>
               <a:cs typeface="Segoe UI" panose="020B0502040204020203" pitchFamily="34" charset="0"/>
             </a:rPr>
-            <a:t>VCF File Size: ~168GB</a:t>
+            <a:t>Parquet File Size: ~75GB</a:t>
           </a:r>
+          <a:endParaRPr lang="en-US" sz="2800" b="1" kern="1200" dirty="0">
+            <a:latin typeface="Segoe UI" panose="020B0502040204020203" pitchFamily="34" charset="0"/>
+            <a:cs typeface="Segoe UI" panose="020B0502040204020203" pitchFamily="34" charset="0"/>
+          </a:endParaRPr>
         </a:p>
       </dsp:txBody>
       <dsp:txXfrm>
@@ -1836,7 +1815,7 @@
         <a:ext cx="2975911" cy="1578486"/>
       </dsp:txXfrm>
     </dsp:sp>
-    <dsp:sp modelId="{A5299E66-8E01-4673-ABC2-9E3B8CB88A8B}">
+    <dsp:sp modelId="{F3BD2FFC-DCE7-49E6-A92C-37079425E509}">
       <dsp:nvSpPr>
         <dsp:cNvPr id="0" name=""/>
         <dsp:cNvSpPr/>
@@ -1899,12 +1878,37 @@
             <a:buNone/>
           </a:pPr>
           <a:r>
-            <a:rPr lang="en-US" sz="2800" b="1" kern="1200" dirty="0">
+            <a:rPr lang="en-US" sz="2800" b="1" kern="1200">
               <a:latin typeface="Segoe UI" panose="020B0502040204020203" pitchFamily="34" charset="0"/>
               <a:cs typeface="Segoe UI" panose="020B0502040204020203" pitchFamily="34" charset="0"/>
             </a:rPr>
-            <a:t>Parquet File Size: ~75GB</a:t>
+            <a:t>Phase 3</a:t>
           </a:r>
+        </a:p>
+        <a:p>
+          <a:pPr marL="0" lvl="0" indent="0" algn="ctr" defTabSz="1244600">
+            <a:lnSpc>
+              <a:spcPct val="90000"/>
+            </a:lnSpc>
+            <a:spcBef>
+              <a:spcPct val="0"/>
+            </a:spcBef>
+            <a:spcAft>
+              <a:spcPct val="35000"/>
+            </a:spcAft>
+            <a:buNone/>
+          </a:pPr>
+          <a:r>
+            <a:rPr lang="en-US" sz="2800" b="1" kern="1200">
+              <a:latin typeface="Segoe UI" panose="020B0502040204020203" pitchFamily="34" charset="0"/>
+              <a:cs typeface="Segoe UI" panose="020B0502040204020203" pitchFamily="34" charset="0"/>
+            </a:rPr>
+            <a:t>(GRCh38)</a:t>
+          </a:r>
+          <a:endParaRPr lang="en-US" sz="2800" b="1" kern="1200" dirty="0">
+            <a:latin typeface="Segoe UI" panose="020B0502040204020203" pitchFamily="34" charset="0"/>
+            <a:cs typeface="Segoe UI" panose="020B0502040204020203" pitchFamily="34" charset="0"/>
+          </a:endParaRPr>
         </a:p>
       </dsp:txBody>
       <dsp:txXfrm>
@@ -19725,6 +19729,36 @@
           </a:prstGeom>
         </p:spPr>
       </p:pic>
+      <p:pic>
+        <p:nvPicPr>
+          <p:cNvPr id="7" name="Picture 6" descr="Shape&#10;&#10;Description automatically generated">
+            <a:extLst>
+              <a:ext uri="{FF2B5EF4-FFF2-40B4-BE49-F238E27FC236}">
+                <a16:creationId xmlns:a16="http://schemas.microsoft.com/office/drawing/2014/main" id="{A72ACC1E-BC97-4642-BB2D-C35FC93A0459}"/>
+              </a:ext>
+            </a:extLst>
+          </p:cNvPr>
+          <p:cNvPicPr>
+            <a:picLocks noChangeAspect="1"/>
+          </p:cNvPicPr>
+          <p:nvPr/>
+        </p:nvPicPr>
+        <p:blipFill>
+          <a:blip r:embed="rId4"/>
+          <a:stretch>
+            <a:fillRect/>
+          </a:stretch>
+        </p:blipFill>
+        <p:spPr>
+          <a:xfrm>
+            <a:off x="5186362" y="0"/>
+            <a:ext cx="7005638" cy="6858000"/>
+          </a:xfrm>
+          <a:prstGeom prst="rect">
+            <a:avLst/>
+          </a:prstGeom>
+        </p:spPr>
+      </p:pic>
     </p:spTree>
     <p:extLst>
       <p:ext uri="{BB962C8B-B14F-4D97-AF65-F5344CB8AC3E}">
@@ -20008,7 +20042,12 @@
             <p:ph type="title"/>
           </p:nvPr>
         </p:nvSpPr>
-        <p:spPr/>
+        <p:spPr>
+          <a:xfrm>
+            <a:off x="480880" y="431216"/>
+            <a:ext cx="9304834" cy="916814"/>
+          </a:xfrm>
+        </p:spPr>
         <p:txBody>
           <a:bodyPr/>
           <a:lstStyle/>
@@ -20033,13 +20072,13 @@
           <p:nvPr>
             <p:extLst>
               <p:ext uri="{D42A27DB-BD31-4B8C-83A1-F6EECF244321}">
-                <p14:modId xmlns:p14="http://schemas.microsoft.com/office/powerpoint/2010/main" val="3350738886"/>
+                <p14:modId xmlns:p14="http://schemas.microsoft.com/office/powerpoint/2010/main" val="1571183423"/>
               </p:ext>
             </p:extLst>
           </p:nvPr>
         </p:nvGraphicFramePr>
         <p:xfrm>
-          <a:off x="410665" y="1515623"/>
+          <a:off x="480880" y="1364185"/>
           <a:ext cx="9304834" cy="5066992"/>
         </p:xfrm>
         <a:graphic>
@@ -20062,7 +20101,7 @@
         </p:nvSpPr>
         <p:spPr>
           <a:xfrm>
-            <a:off x="9866810" y="1911531"/>
+            <a:off x="9955177" y="5309596"/>
             <a:ext cx="2127547" cy="784830"/>
           </a:xfrm>
           <a:prstGeom prst="rect">
@@ -20135,6 +20174,886 @@
           </a:p>
         </p:txBody>
       </p:sp>
+      <p:graphicFrame>
+        <p:nvGraphicFramePr>
+          <p:cNvPr id="5" name="Table 4">
+            <a:extLst>
+              <a:ext uri="{FF2B5EF4-FFF2-40B4-BE49-F238E27FC236}">
+                <a16:creationId xmlns:a16="http://schemas.microsoft.com/office/drawing/2014/main" id="{3DBC9D3F-60DA-4C6A-B4ED-E25CC4AD30A4}"/>
+              </a:ext>
+            </a:extLst>
+          </p:cNvPr>
+          <p:cNvGraphicFramePr>
+            <a:graphicFrameLocks noGrp="1"/>
+          </p:cNvGraphicFramePr>
+          <p:nvPr>
+            <p:extLst>
+              <p:ext uri="{D42A27DB-BD31-4B8C-83A1-F6EECF244321}">
+                <p14:modId xmlns:p14="http://schemas.microsoft.com/office/powerpoint/2010/main" val="1905668266"/>
+              </p:ext>
+            </p:extLst>
+          </p:nvPr>
+        </p:nvGraphicFramePr>
+        <p:xfrm>
+          <a:off x="10275259" y="619293"/>
+          <a:ext cx="1487382" cy="4415945"/>
+        </p:xfrm>
+        <a:graphic>
+          <a:graphicData uri="http://schemas.openxmlformats.org/drawingml/2006/table">
+            <a:tbl>
+              <a:tblPr firstRow="1">
+                <a:tableStyleId>{073A0DAA-6AF3-43AB-8588-CEC1D06C72B9}</a:tableStyleId>
+              </a:tblPr>
+              <a:tblGrid>
+                <a:gridCol w="1487382">
+                  <a:extLst>
+                    <a:ext uri="{9D8B030D-6E8A-4147-A177-3AD203B41FA5}">
+                      <a16:colId xmlns:a16="http://schemas.microsoft.com/office/drawing/2014/main" val="4033582037"/>
+                    </a:ext>
+                  </a:extLst>
+                </a:gridCol>
+              </a:tblGrid>
+              <a:tr h="225759">
+                <a:tc>
+                  <a:txBody>
+                    <a:bodyPr/>
+                    <a:lstStyle/>
+                    <a:p>
+                      <a:pPr algn="ctr" fontAlgn="b"/>
+                      <a:r>
+                        <a:rPr lang="en-US" sz="900" u="none" strike="noStrike" dirty="0">
+                          <a:effectLst/>
+                        </a:rPr>
+                        <a:t>Population</a:t>
+                      </a:r>
+                      <a:endParaRPr lang="en-US" sz="900" b="0" i="0" u="none" strike="noStrike" dirty="0">
+                        <a:solidFill>
+                          <a:srgbClr val="000000"/>
+                        </a:solidFill>
+                        <a:effectLst/>
+                        <a:latin typeface="Segoe UI" panose="020B0502040204020203" pitchFamily="34" charset="0"/>
+                        <a:cs typeface="Segoe UI" panose="020B0502040204020203" pitchFamily="34" charset="0"/>
+                      </a:endParaRPr>
+                    </a:p>
+                  </a:txBody>
+                  <a:tcPr marL="8058" marR="8058" marT="8058" marB="0" anchor="ctr"/>
+                </a:tc>
+                <a:extLst>
+                  <a:ext uri="{0D108BD9-81ED-4DB2-BD59-A6C34878D82A}">
+                    <a16:rowId xmlns:a16="http://schemas.microsoft.com/office/drawing/2014/main" val="665497007"/>
+                  </a:ext>
+                </a:extLst>
+              </a:tr>
+              <a:tr h="161161">
+                <a:tc>
+                  <a:txBody>
+                    <a:bodyPr/>
+                    <a:lstStyle/>
+                    <a:p>
+                      <a:pPr algn="ctr" fontAlgn="b"/>
+                      <a:r>
+                        <a:rPr lang="en-US" sz="900" u="none" strike="noStrike">
+                          <a:effectLst/>
+                        </a:rPr>
+                        <a:t>Yoruba</a:t>
+                      </a:r>
+                      <a:endParaRPr lang="en-US" sz="900" b="0" i="0" u="none" strike="noStrike">
+                        <a:solidFill>
+                          <a:srgbClr val="000000"/>
+                        </a:solidFill>
+                        <a:effectLst/>
+                        <a:latin typeface="Segoe UI" panose="020B0502040204020203" pitchFamily="34" charset="0"/>
+                        <a:cs typeface="Segoe UI" panose="020B0502040204020203" pitchFamily="34" charset="0"/>
+                      </a:endParaRPr>
+                    </a:p>
+                  </a:txBody>
+                  <a:tcPr marL="8058" marR="8058" marT="8058" marB="0" anchor="b"/>
+                </a:tc>
+                <a:extLst>
+                  <a:ext uri="{0D108BD9-81ED-4DB2-BD59-A6C34878D82A}">
+                    <a16:rowId xmlns:a16="http://schemas.microsoft.com/office/drawing/2014/main" val="13795203"/>
+                  </a:ext>
+                </a:extLst>
+              </a:tr>
+              <a:tr h="161161">
+                <a:tc>
+                  <a:txBody>
+                    <a:bodyPr/>
+                    <a:lstStyle/>
+                    <a:p>
+                      <a:pPr algn="ctr" fontAlgn="b"/>
+                      <a:r>
+                        <a:rPr lang="en-US" sz="900" u="none" strike="noStrike">
+                          <a:effectLst/>
+                        </a:rPr>
+                        <a:t>Luhya</a:t>
+                      </a:r>
+                      <a:endParaRPr lang="en-US" sz="900" b="0" i="0" u="none" strike="noStrike">
+                        <a:solidFill>
+                          <a:srgbClr val="000000"/>
+                        </a:solidFill>
+                        <a:effectLst/>
+                        <a:latin typeface="Segoe UI" panose="020B0502040204020203" pitchFamily="34" charset="0"/>
+                        <a:cs typeface="Segoe UI" panose="020B0502040204020203" pitchFamily="34" charset="0"/>
+                      </a:endParaRPr>
+                    </a:p>
+                  </a:txBody>
+                  <a:tcPr marL="8058" marR="8058" marT="8058" marB="0" anchor="b"/>
+                </a:tc>
+                <a:extLst>
+                  <a:ext uri="{0D108BD9-81ED-4DB2-BD59-A6C34878D82A}">
+                    <a16:rowId xmlns:a16="http://schemas.microsoft.com/office/drawing/2014/main" val="2277953738"/>
+                  </a:ext>
+                </a:extLst>
+              </a:tr>
+              <a:tr h="161161">
+                <a:tc>
+                  <a:txBody>
+                    <a:bodyPr/>
+                    <a:lstStyle/>
+                    <a:p>
+                      <a:pPr algn="ctr" fontAlgn="b"/>
+                      <a:r>
+                        <a:rPr lang="en-US" sz="900" u="none" strike="noStrike">
+                          <a:effectLst/>
+                        </a:rPr>
+                        <a:t>Dai Chinese</a:t>
+                      </a:r>
+                      <a:endParaRPr lang="en-US" sz="900" b="0" i="0" u="none" strike="noStrike">
+                        <a:solidFill>
+                          <a:srgbClr val="000000"/>
+                        </a:solidFill>
+                        <a:effectLst/>
+                        <a:latin typeface="Segoe UI" panose="020B0502040204020203" pitchFamily="34" charset="0"/>
+                        <a:cs typeface="Segoe UI" panose="020B0502040204020203" pitchFamily="34" charset="0"/>
+                      </a:endParaRPr>
+                    </a:p>
+                  </a:txBody>
+                  <a:tcPr marL="8058" marR="8058" marT="8058" marB="0" anchor="b"/>
+                </a:tc>
+                <a:extLst>
+                  <a:ext uri="{0D108BD9-81ED-4DB2-BD59-A6C34878D82A}">
+                    <a16:rowId xmlns:a16="http://schemas.microsoft.com/office/drawing/2014/main" val="2573016738"/>
+                  </a:ext>
+                </a:extLst>
+              </a:tr>
+              <a:tr h="161161">
+                <a:tc>
+                  <a:txBody>
+                    <a:bodyPr/>
+                    <a:lstStyle/>
+                    <a:p>
+                      <a:pPr algn="ctr" fontAlgn="b"/>
+                      <a:r>
+                        <a:rPr lang="en-US" sz="900" u="none" strike="noStrike">
+                          <a:effectLst/>
+                        </a:rPr>
+                        <a:t>CEPH</a:t>
+                      </a:r>
+                      <a:endParaRPr lang="en-US" sz="900" b="0" i="0" u="none" strike="noStrike">
+                        <a:solidFill>
+                          <a:srgbClr val="000000"/>
+                        </a:solidFill>
+                        <a:effectLst/>
+                        <a:latin typeface="Segoe UI" panose="020B0502040204020203" pitchFamily="34" charset="0"/>
+                        <a:cs typeface="Segoe UI" panose="020B0502040204020203" pitchFamily="34" charset="0"/>
+                      </a:endParaRPr>
+                    </a:p>
+                  </a:txBody>
+                  <a:tcPr marL="8058" marR="8058" marT="8058" marB="0" anchor="b"/>
+                </a:tc>
+                <a:extLst>
+                  <a:ext uri="{0D108BD9-81ED-4DB2-BD59-A6C34878D82A}">
+                    <a16:rowId xmlns:a16="http://schemas.microsoft.com/office/drawing/2014/main" val="2438709042"/>
+                  </a:ext>
+                </a:extLst>
+              </a:tr>
+              <a:tr h="161161">
+                <a:tc>
+                  <a:txBody>
+                    <a:bodyPr/>
+                    <a:lstStyle/>
+                    <a:p>
+                      <a:pPr algn="ctr" fontAlgn="b"/>
+                      <a:r>
+                        <a:rPr lang="en-US" sz="900" u="none" strike="noStrike">
+                          <a:effectLst/>
+                        </a:rPr>
+                        <a:t>Japanese</a:t>
+                      </a:r>
+                      <a:endParaRPr lang="en-US" sz="900" b="0" i="0" u="none" strike="noStrike">
+                        <a:solidFill>
+                          <a:srgbClr val="000000"/>
+                        </a:solidFill>
+                        <a:effectLst/>
+                        <a:latin typeface="Segoe UI" panose="020B0502040204020203" pitchFamily="34" charset="0"/>
+                        <a:cs typeface="Segoe UI" panose="020B0502040204020203" pitchFamily="34" charset="0"/>
+                      </a:endParaRPr>
+                    </a:p>
+                  </a:txBody>
+                  <a:tcPr marL="8058" marR="8058" marT="8058" marB="0" anchor="b"/>
+                </a:tc>
+                <a:extLst>
+                  <a:ext uri="{0D108BD9-81ED-4DB2-BD59-A6C34878D82A}">
+                    <a16:rowId xmlns:a16="http://schemas.microsoft.com/office/drawing/2014/main" val="3215677994"/>
+                  </a:ext>
+                </a:extLst>
+              </a:tr>
+              <a:tr h="161161">
+                <a:tc>
+                  <a:txBody>
+                    <a:bodyPr/>
+                    <a:lstStyle/>
+                    <a:p>
+                      <a:pPr algn="ctr" fontAlgn="b"/>
+                      <a:r>
+                        <a:rPr lang="en-US" sz="900" u="none" strike="noStrike">
+                          <a:effectLst/>
+                        </a:rPr>
+                        <a:t>Han Chinese</a:t>
+                      </a:r>
+                      <a:endParaRPr lang="en-US" sz="900" b="0" i="0" u="none" strike="noStrike">
+                        <a:solidFill>
+                          <a:srgbClr val="000000"/>
+                        </a:solidFill>
+                        <a:effectLst/>
+                        <a:latin typeface="Segoe UI" panose="020B0502040204020203" pitchFamily="34" charset="0"/>
+                        <a:cs typeface="Segoe UI" panose="020B0502040204020203" pitchFamily="34" charset="0"/>
+                      </a:endParaRPr>
+                    </a:p>
+                  </a:txBody>
+                  <a:tcPr marL="8058" marR="8058" marT="8058" marB="0" anchor="b"/>
+                </a:tc>
+                <a:extLst>
+                  <a:ext uri="{0D108BD9-81ED-4DB2-BD59-A6C34878D82A}">
+                    <a16:rowId xmlns:a16="http://schemas.microsoft.com/office/drawing/2014/main" val="3138272928"/>
+                  </a:ext>
+                </a:extLst>
+              </a:tr>
+              <a:tr h="161161">
+                <a:tc>
+                  <a:txBody>
+                    <a:bodyPr/>
+                    <a:lstStyle/>
+                    <a:p>
+                      <a:pPr algn="ctr" fontAlgn="b"/>
+                      <a:r>
+                        <a:rPr lang="en-US" sz="900" u="none" strike="noStrike">
+                          <a:effectLst/>
+                        </a:rPr>
+                        <a:t>Gujarati</a:t>
+                      </a:r>
+                      <a:endParaRPr lang="en-US" sz="900" b="0" i="0" u="none" strike="noStrike">
+                        <a:solidFill>
+                          <a:srgbClr val="000000"/>
+                        </a:solidFill>
+                        <a:effectLst/>
+                        <a:latin typeface="Segoe UI" panose="020B0502040204020203" pitchFamily="34" charset="0"/>
+                        <a:cs typeface="Segoe UI" panose="020B0502040204020203" pitchFamily="34" charset="0"/>
+                      </a:endParaRPr>
+                    </a:p>
+                  </a:txBody>
+                  <a:tcPr marL="8058" marR="8058" marT="8058" marB="0" anchor="b"/>
+                </a:tc>
+                <a:extLst>
+                  <a:ext uri="{0D108BD9-81ED-4DB2-BD59-A6C34878D82A}">
+                    <a16:rowId xmlns:a16="http://schemas.microsoft.com/office/drawing/2014/main" val="2446582825"/>
+                  </a:ext>
+                </a:extLst>
+              </a:tr>
+              <a:tr h="161161">
+                <a:tc>
+                  <a:txBody>
+                    <a:bodyPr/>
+                    <a:lstStyle/>
+                    <a:p>
+                      <a:pPr algn="ctr" fontAlgn="b"/>
+                      <a:r>
+                        <a:rPr lang="en-US" sz="900" u="none" strike="noStrike">
+                          <a:effectLst/>
+                        </a:rPr>
+                        <a:t>Tamil</a:t>
+                      </a:r>
+                      <a:endParaRPr lang="en-US" sz="900" b="0" i="0" u="none" strike="noStrike">
+                        <a:solidFill>
+                          <a:srgbClr val="000000"/>
+                        </a:solidFill>
+                        <a:effectLst/>
+                        <a:latin typeface="Segoe UI" panose="020B0502040204020203" pitchFamily="34" charset="0"/>
+                        <a:cs typeface="Segoe UI" panose="020B0502040204020203" pitchFamily="34" charset="0"/>
+                      </a:endParaRPr>
+                    </a:p>
+                  </a:txBody>
+                  <a:tcPr marL="8058" marR="8058" marT="8058" marB="0" anchor="b"/>
+                </a:tc>
+                <a:extLst>
+                  <a:ext uri="{0D108BD9-81ED-4DB2-BD59-A6C34878D82A}">
+                    <a16:rowId xmlns:a16="http://schemas.microsoft.com/office/drawing/2014/main" val="1403776331"/>
+                  </a:ext>
+                </a:extLst>
+              </a:tr>
+              <a:tr h="161161">
+                <a:tc>
+                  <a:txBody>
+                    <a:bodyPr/>
+                    <a:lstStyle/>
+                    <a:p>
+                      <a:pPr algn="ctr" fontAlgn="b"/>
+                      <a:r>
+                        <a:rPr lang="en-US" sz="900" u="none" strike="noStrike">
+                          <a:effectLst/>
+                        </a:rPr>
+                        <a:t>Telugu</a:t>
+                      </a:r>
+                      <a:endParaRPr lang="en-US" sz="900" b="0" i="0" u="none" strike="noStrike">
+                        <a:solidFill>
+                          <a:srgbClr val="000000"/>
+                        </a:solidFill>
+                        <a:effectLst/>
+                        <a:latin typeface="Segoe UI" panose="020B0502040204020203" pitchFamily="34" charset="0"/>
+                        <a:cs typeface="Segoe UI" panose="020B0502040204020203" pitchFamily="34" charset="0"/>
+                      </a:endParaRPr>
+                    </a:p>
+                  </a:txBody>
+                  <a:tcPr marL="8058" marR="8058" marT="8058" marB="0" anchor="b"/>
+                </a:tc>
+                <a:extLst>
+                  <a:ext uri="{0D108BD9-81ED-4DB2-BD59-A6C34878D82A}">
+                    <a16:rowId xmlns:a16="http://schemas.microsoft.com/office/drawing/2014/main" val="667030102"/>
+                  </a:ext>
+                </a:extLst>
+              </a:tr>
+              <a:tr h="161161">
+                <a:tc>
+                  <a:txBody>
+                    <a:bodyPr/>
+                    <a:lstStyle/>
+                    <a:p>
+                      <a:pPr algn="ctr" fontAlgn="b"/>
+                      <a:r>
+                        <a:rPr lang="en-US" sz="900" u="none" strike="noStrike">
+                          <a:effectLst/>
+                        </a:rPr>
+                        <a:t>British</a:t>
+                      </a:r>
+                      <a:endParaRPr lang="en-US" sz="900" b="0" i="0" u="none" strike="noStrike">
+                        <a:solidFill>
+                          <a:srgbClr val="000000"/>
+                        </a:solidFill>
+                        <a:effectLst/>
+                        <a:latin typeface="Segoe UI" panose="020B0502040204020203" pitchFamily="34" charset="0"/>
+                        <a:cs typeface="Segoe UI" panose="020B0502040204020203" pitchFamily="34" charset="0"/>
+                      </a:endParaRPr>
+                    </a:p>
+                  </a:txBody>
+                  <a:tcPr marL="8058" marR="8058" marT="8058" marB="0" anchor="b"/>
+                </a:tc>
+                <a:extLst>
+                  <a:ext uri="{0D108BD9-81ED-4DB2-BD59-A6C34878D82A}">
+                    <a16:rowId xmlns:a16="http://schemas.microsoft.com/office/drawing/2014/main" val="3405653149"/>
+                  </a:ext>
+                </a:extLst>
+              </a:tr>
+              <a:tr h="161161">
+                <a:tc>
+                  <a:txBody>
+                    <a:bodyPr/>
+                    <a:lstStyle/>
+                    <a:p>
+                      <a:pPr algn="ctr" fontAlgn="b"/>
+                      <a:r>
+                        <a:rPr lang="en-US" sz="900" u="none" strike="noStrike">
+                          <a:effectLst/>
+                        </a:rPr>
+                        <a:t>African Caribbean</a:t>
+                      </a:r>
+                      <a:endParaRPr lang="en-US" sz="900" b="0" i="0" u="none" strike="noStrike">
+                        <a:solidFill>
+                          <a:srgbClr val="000000"/>
+                        </a:solidFill>
+                        <a:effectLst/>
+                        <a:latin typeface="Segoe UI" panose="020B0502040204020203" pitchFamily="34" charset="0"/>
+                        <a:cs typeface="Segoe UI" panose="020B0502040204020203" pitchFamily="34" charset="0"/>
+                      </a:endParaRPr>
+                    </a:p>
+                  </a:txBody>
+                  <a:tcPr marL="8058" marR="8058" marT="8058" marB="0" anchor="b"/>
+                </a:tc>
+                <a:extLst>
+                  <a:ext uri="{0D108BD9-81ED-4DB2-BD59-A6C34878D82A}">
+                    <a16:rowId xmlns:a16="http://schemas.microsoft.com/office/drawing/2014/main" val="1753518921"/>
+                  </a:ext>
+                </a:extLst>
+              </a:tr>
+              <a:tr h="161161">
+                <a:tc>
+                  <a:txBody>
+                    <a:bodyPr/>
+                    <a:lstStyle/>
+                    <a:p>
+                      <a:pPr algn="ctr" fontAlgn="b"/>
+                      <a:r>
+                        <a:rPr lang="en-US" sz="900" u="none" strike="noStrike">
+                          <a:effectLst/>
+                        </a:rPr>
+                        <a:t>Puerto Rican</a:t>
+                      </a:r>
+                      <a:endParaRPr lang="en-US" sz="900" b="0" i="0" u="none" strike="noStrike">
+                        <a:solidFill>
+                          <a:srgbClr val="000000"/>
+                        </a:solidFill>
+                        <a:effectLst/>
+                        <a:latin typeface="Segoe UI" panose="020B0502040204020203" pitchFamily="34" charset="0"/>
+                        <a:cs typeface="Segoe UI" panose="020B0502040204020203" pitchFamily="34" charset="0"/>
+                      </a:endParaRPr>
+                    </a:p>
+                  </a:txBody>
+                  <a:tcPr marL="8058" marR="8058" marT="8058" marB="0" anchor="b"/>
+                </a:tc>
+                <a:extLst>
+                  <a:ext uri="{0D108BD9-81ED-4DB2-BD59-A6C34878D82A}">
+                    <a16:rowId xmlns:a16="http://schemas.microsoft.com/office/drawing/2014/main" val="1772335552"/>
+                  </a:ext>
+                </a:extLst>
+              </a:tr>
+              <a:tr h="161161">
+                <a:tc>
+                  <a:txBody>
+                    <a:bodyPr/>
+                    <a:lstStyle/>
+                    <a:p>
+                      <a:pPr algn="ctr" fontAlgn="b"/>
+                      <a:r>
+                        <a:rPr lang="en-US" sz="900" u="none" strike="noStrike">
+                          <a:effectLst/>
+                        </a:rPr>
+                        <a:t>Southern Han Chinese</a:t>
+                      </a:r>
+                      <a:endParaRPr lang="en-US" sz="900" b="0" i="0" u="none" strike="noStrike">
+                        <a:solidFill>
+                          <a:srgbClr val="000000"/>
+                        </a:solidFill>
+                        <a:effectLst/>
+                        <a:latin typeface="Segoe UI" panose="020B0502040204020203" pitchFamily="34" charset="0"/>
+                        <a:cs typeface="Segoe UI" panose="020B0502040204020203" pitchFamily="34" charset="0"/>
+                      </a:endParaRPr>
+                    </a:p>
+                  </a:txBody>
+                  <a:tcPr marL="8058" marR="8058" marT="8058" marB="0" anchor="b"/>
+                </a:tc>
+                <a:extLst>
+                  <a:ext uri="{0D108BD9-81ED-4DB2-BD59-A6C34878D82A}">
+                    <a16:rowId xmlns:a16="http://schemas.microsoft.com/office/drawing/2014/main" val="1881626316"/>
+                  </a:ext>
+                </a:extLst>
+              </a:tr>
+              <a:tr h="161161">
+                <a:tc>
+                  <a:txBody>
+                    <a:bodyPr/>
+                    <a:lstStyle/>
+                    <a:p>
+                      <a:pPr algn="ctr" fontAlgn="b"/>
+                      <a:r>
+                        <a:rPr lang="en-US" sz="900" u="none" strike="noStrike">
+                          <a:effectLst/>
+                        </a:rPr>
+                        <a:t>Finnish</a:t>
+                      </a:r>
+                      <a:endParaRPr lang="en-US" sz="900" b="0" i="0" u="none" strike="noStrike">
+                        <a:solidFill>
+                          <a:srgbClr val="000000"/>
+                        </a:solidFill>
+                        <a:effectLst/>
+                        <a:latin typeface="Segoe UI" panose="020B0502040204020203" pitchFamily="34" charset="0"/>
+                        <a:cs typeface="Segoe UI" panose="020B0502040204020203" pitchFamily="34" charset="0"/>
+                      </a:endParaRPr>
+                    </a:p>
+                  </a:txBody>
+                  <a:tcPr marL="8058" marR="8058" marT="8058" marB="0" anchor="b"/>
+                </a:tc>
+                <a:extLst>
+                  <a:ext uri="{0D108BD9-81ED-4DB2-BD59-A6C34878D82A}">
+                    <a16:rowId xmlns:a16="http://schemas.microsoft.com/office/drawing/2014/main" val="3787714324"/>
+                  </a:ext>
+                </a:extLst>
+              </a:tr>
+              <a:tr h="161161">
+                <a:tc>
+                  <a:txBody>
+                    <a:bodyPr/>
+                    <a:lstStyle/>
+                    <a:p>
+                      <a:pPr algn="ctr" fontAlgn="b"/>
+                      <a:r>
+                        <a:rPr lang="en-US" sz="900" u="none" strike="noStrike">
+                          <a:effectLst/>
+                        </a:rPr>
+                        <a:t>Kinh Vietnamese</a:t>
+                      </a:r>
+                      <a:endParaRPr lang="en-US" sz="900" b="0" i="0" u="none" strike="noStrike">
+                        <a:solidFill>
+                          <a:srgbClr val="000000"/>
+                        </a:solidFill>
+                        <a:effectLst/>
+                        <a:latin typeface="Segoe UI" panose="020B0502040204020203" pitchFamily="34" charset="0"/>
+                        <a:cs typeface="Segoe UI" panose="020B0502040204020203" pitchFamily="34" charset="0"/>
+                      </a:endParaRPr>
+                    </a:p>
+                  </a:txBody>
+                  <a:tcPr marL="8058" marR="8058" marT="8058" marB="0" anchor="b"/>
+                </a:tc>
+                <a:extLst>
+                  <a:ext uri="{0D108BD9-81ED-4DB2-BD59-A6C34878D82A}">
+                    <a16:rowId xmlns:a16="http://schemas.microsoft.com/office/drawing/2014/main" val="3087104202"/>
+                  </a:ext>
+                </a:extLst>
+              </a:tr>
+              <a:tr h="161161">
+                <a:tc>
+                  <a:txBody>
+                    <a:bodyPr/>
+                    <a:lstStyle/>
+                    <a:p>
+                      <a:pPr algn="ctr" fontAlgn="b"/>
+                      <a:r>
+                        <a:rPr lang="en-US" sz="900" u="none" strike="noStrike">
+                          <a:effectLst/>
+                        </a:rPr>
+                        <a:t>Bengali</a:t>
+                      </a:r>
+                      <a:endParaRPr lang="en-US" sz="900" b="0" i="0" u="none" strike="noStrike">
+                        <a:solidFill>
+                          <a:srgbClr val="000000"/>
+                        </a:solidFill>
+                        <a:effectLst/>
+                        <a:latin typeface="Segoe UI" panose="020B0502040204020203" pitchFamily="34" charset="0"/>
+                        <a:cs typeface="Segoe UI" panose="020B0502040204020203" pitchFamily="34" charset="0"/>
+                      </a:endParaRPr>
+                    </a:p>
+                  </a:txBody>
+                  <a:tcPr marL="8058" marR="8058" marT="8058" marB="0" anchor="b"/>
+                </a:tc>
+                <a:extLst>
+                  <a:ext uri="{0D108BD9-81ED-4DB2-BD59-A6C34878D82A}">
+                    <a16:rowId xmlns:a16="http://schemas.microsoft.com/office/drawing/2014/main" val="2361578978"/>
+                  </a:ext>
+                </a:extLst>
+              </a:tr>
+              <a:tr h="161161">
+                <a:tc>
+                  <a:txBody>
+                    <a:bodyPr/>
+                    <a:lstStyle/>
+                    <a:p>
+                      <a:pPr algn="ctr" fontAlgn="b"/>
+                      <a:r>
+                        <a:rPr lang="en-US" sz="900" u="none" strike="noStrike">
+                          <a:effectLst/>
+                        </a:rPr>
+                        <a:t>African Ancestry SW</a:t>
+                      </a:r>
+                      <a:endParaRPr lang="en-US" sz="900" b="0" i="0" u="none" strike="noStrike">
+                        <a:solidFill>
+                          <a:srgbClr val="000000"/>
+                        </a:solidFill>
+                        <a:effectLst/>
+                        <a:latin typeface="Segoe UI" panose="020B0502040204020203" pitchFamily="34" charset="0"/>
+                        <a:cs typeface="Segoe UI" panose="020B0502040204020203" pitchFamily="34" charset="0"/>
+                      </a:endParaRPr>
+                    </a:p>
+                  </a:txBody>
+                  <a:tcPr marL="8058" marR="8058" marT="8058" marB="0" anchor="b"/>
+                </a:tc>
+                <a:extLst>
+                  <a:ext uri="{0D108BD9-81ED-4DB2-BD59-A6C34878D82A}">
+                    <a16:rowId xmlns:a16="http://schemas.microsoft.com/office/drawing/2014/main" val="2343790367"/>
+                  </a:ext>
+                </a:extLst>
+              </a:tr>
+              <a:tr h="161161">
+                <a:tc>
+                  <a:txBody>
+                    <a:bodyPr/>
+                    <a:lstStyle/>
+                    <a:p>
+                      <a:pPr algn="ctr" fontAlgn="b"/>
+                      <a:r>
+                        <a:rPr lang="en-US" sz="900" u="none" strike="noStrike">
+                          <a:effectLst/>
+                        </a:rPr>
+                        <a:t>Colombian</a:t>
+                      </a:r>
+                      <a:endParaRPr lang="en-US" sz="900" b="0" i="0" u="none" strike="noStrike">
+                        <a:solidFill>
+                          <a:srgbClr val="000000"/>
+                        </a:solidFill>
+                        <a:effectLst/>
+                        <a:latin typeface="Segoe UI" panose="020B0502040204020203" pitchFamily="34" charset="0"/>
+                        <a:cs typeface="Segoe UI" panose="020B0502040204020203" pitchFamily="34" charset="0"/>
+                      </a:endParaRPr>
+                    </a:p>
+                  </a:txBody>
+                  <a:tcPr marL="8058" marR="8058" marT="8058" marB="0" anchor="b"/>
+                </a:tc>
+                <a:extLst>
+                  <a:ext uri="{0D108BD9-81ED-4DB2-BD59-A6C34878D82A}">
+                    <a16:rowId xmlns:a16="http://schemas.microsoft.com/office/drawing/2014/main" val="25752135"/>
+                  </a:ext>
+                </a:extLst>
+              </a:tr>
+              <a:tr h="161161">
+                <a:tc>
+                  <a:txBody>
+                    <a:bodyPr/>
+                    <a:lstStyle/>
+                    <a:p>
+                      <a:pPr algn="ctr" fontAlgn="b"/>
+                      <a:r>
+                        <a:rPr lang="en-US" sz="900" u="none" strike="noStrike">
+                          <a:effectLst/>
+                        </a:rPr>
+                        <a:t>Peruvian</a:t>
+                      </a:r>
+                      <a:endParaRPr lang="en-US" sz="900" b="0" i="0" u="none" strike="noStrike">
+                        <a:solidFill>
+                          <a:srgbClr val="000000"/>
+                        </a:solidFill>
+                        <a:effectLst/>
+                        <a:latin typeface="Segoe UI" panose="020B0502040204020203" pitchFamily="34" charset="0"/>
+                        <a:cs typeface="Segoe UI" panose="020B0502040204020203" pitchFamily="34" charset="0"/>
+                      </a:endParaRPr>
+                    </a:p>
+                  </a:txBody>
+                  <a:tcPr marL="8058" marR="8058" marT="8058" marB="0" anchor="b"/>
+                </a:tc>
+                <a:extLst>
+                  <a:ext uri="{0D108BD9-81ED-4DB2-BD59-A6C34878D82A}">
+                    <a16:rowId xmlns:a16="http://schemas.microsoft.com/office/drawing/2014/main" val="3432523779"/>
+                  </a:ext>
+                </a:extLst>
+              </a:tr>
+              <a:tr h="161161">
+                <a:tc>
+                  <a:txBody>
+                    <a:bodyPr/>
+                    <a:lstStyle/>
+                    <a:p>
+                      <a:pPr algn="ctr" fontAlgn="b"/>
+                      <a:r>
+                        <a:rPr lang="en-US" sz="900" u="none" strike="noStrike">
+                          <a:effectLst/>
+                        </a:rPr>
+                        <a:t>Punjabi</a:t>
+                      </a:r>
+                      <a:endParaRPr lang="en-US" sz="900" b="0" i="0" u="none" strike="noStrike">
+                        <a:solidFill>
+                          <a:srgbClr val="000000"/>
+                        </a:solidFill>
+                        <a:effectLst/>
+                        <a:latin typeface="Segoe UI" panose="020B0502040204020203" pitchFamily="34" charset="0"/>
+                        <a:cs typeface="Segoe UI" panose="020B0502040204020203" pitchFamily="34" charset="0"/>
+                      </a:endParaRPr>
+                    </a:p>
+                  </a:txBody>
+                  <a:tcPr marL="8058" marR="8058" marT="8058" marB="0" anchor="b"/>
+                </a:tc>
+                <a:extLst>
+                  <a:ext uri="{0D108BD9-81ED-4DB2-BD59-A6C34878D82A}">
+                    <a16:rowId xmlns:a16="http://schemas.microsoft.com/office/drawing/2014/main" val="3470494620"/>
+                  </a:ext>
+                </a:extLst>
+              </a:tr>
+              <a:tr h="161161">
+                <a:tc>
+                  <a:txBody>
+                    <a:bodyPr/>
+                    <a:lstStyle/>
+                    <a:p>
+                      <a:pPr algn="ctr" fontAlgn="b"/>
+                      <a:r>
+                        <a:rPr lang="en-US" sz="900" u="none" strike="noStrike">
+                          <a:effectLst/>
+                        </a:rPr>
+                        <a:t>Mende</a:t>
+                      </a:r>
+                      <a:endParaRPr lang="en-US" sz="900" b="0" i="0" u="none" strike="noStrike">
+                        <a:solidFill>
+                          <a:srgbClr val="000000"/>
+                        </a:solidFill>
+                        <a:effectLst/>
+                        <a:latin typeface="Segoe UI" panose="020B0502040204020203" pitchFamily="34" charset="0"/>
+                        <a:cs typeface="Segoe UI" panose="020B0502040204020203" pitchFamily="34" charset="0"/>
+                      </a:endParaRPr>
+                    </a:p>
+                  </a:txBody>
+                  <a:tcPr marL="8058" marR="8058" marT="8058" marB="0" anchor="b"/>
+                </a:tc>
+                <a:extLst>
+                  <a:ext uri="{0D108BD9-81ED-4DB2-BD59-A6C34878D82A}">
+                    <a16:rowId xmlns:a16="http://schemas.microsoft.com/office/drawing/2014/main" val="964019189"/>
+                  </a:ext>
+                </a:extLst>
+              </a:tr>
+              <a:tr h="161161">
+                <a:tc>
+                  <a:txBody>
+                    <a:bodyPr/>
+                    <a:lstStyle/>
+                    <a:p>
+                      <a:pPr algn="ctr" fontAlgn="b"/>
+                      <a:r>
+                        <a:rPr lang="en-US" sz="900" u="none" strike="noStrike">
+                          <a:effectLst/>
+                        </a:rPr>
+                        <a:t>Esan</a:t>
+                      </a:r>
+                      <a:endParaRPr lang="en-US" sz="900" b="0" i="0" u="none" strike="noStrike">
+                        <a:solidFill>
+                          <a:srgbClr val="000000"/>
+                        </a:solidFill>
+                        <a:effectLst/>
+                        <a:latin typeface="Segoe UI" panose="020B0502040204020203" pitchFamily="34" charset="0"/>
+                        <a:cs typeface="Segoe UI" panose="020B0502040204020203" pitchFamily="34" charset="0"/>
+                      </a:endParaRPr>
+                    </a:p>
+                  </a:txBody>
+                  <a:tcPr marL="8058" marR="8058" marT="8058" marB="0" anchor="b"/>
+                </a:tc>
+                <a:extLst>
+                  <a:ext uri="{0D108BD9-81ED-4DB2-BD59-A6C34878D82A}">
+                    <a16:rowId xmlns:a16="http://schemas.microsoft.com/office/drawing/2014/main" val="1737925713"/>
+                  </a:ext>
+                </a:extLst>
+              </a:tr>
+              <a:tr h="161161">
+                <a:tc>
+                  <a:txBody>
+                    <a:bodyPr/>
+                    <a:lstStyle/>
+                    <a:p>
+                      <a:pPr algn="ctr" fontAlgn="b"/>
+                      <a:r>
+                        <a:rPr lang="en-US" sz="900" u="none" strike="noStrike">
+                          <a:effectLst/>
+                        </a:rPr>
+                        <a:t>Gambian Mandinka</a:t>
+                      </a:r>
+                      <a:endParaRPr lang="en-US" sz="900" b="0" i="0" u="none" strike="noStrike">
+                        <a:solidFill>
+                          <a:srgbClr val="000000"/>
+                        </a:solidFill>
+                        <a:effectLst/>
+                        <a:latin typeface="Segoe UI" panose="020B0502040204020203" pitchFamily="34" charset="0"/>
+                        <a:cs typeface="Segoe UI" panose="020B0502040204020203" pitchFamily="34" charset="0"/>
+                      </a:endParaRPr>
+                    </a:p>
+                  </a:txBody>
+                  <a:tcPr marL="8058" marR="8058" marT="8058" marB="0" anchor="b"/>
+                </a:tc>
+                <a:extLst>
+                  <a:ext uri="{0D108BD9-81ED-4DB2-BD59-A6C34878D82A}">
+                    <a16:rowId xmlns:a16="http://schemas.microsoft.com/office/drawing/2014/main" val="1249840069"/>
+                  </a:ext>
+                </a:extLst>
+              </a:tr>
+              <a:tr h="161161">
+                <a:tc>
+                  <a:txBody>
+                    <a:bodyPr/>
+                    <a:lstStyle/>
+                    <a:p>
+                      <a:pPr algn="ctr" fontAlgn="b"/>
+                      <a:r>
+                        <a:rPr lang="en-US" sz="900" u="none" strike="noStrike">
+                          <a:effectLst/>
+                        </a:rPr>
+                        <a:t>Iberian</a:t>
+                      </a:r>
+                      <a:endParaRPr lang="en-US" sz="900" b="0" i="0" u="none" strike="noStrike">
+                        <a:solidFill>
+                          <a:srgbClr val="000000"/>
+                        </a:solidFill>
+                        <a:effectLst/>
+                        <a:latin typeface="Segoe UI" panose="020B0502040204020203" pitchFamily="34" charset="0"/>
+                        <a:cs typeface="Segoe UI" panose="020B0502040204020203" pitchFamily="34" charset="0"/>
+                      </a:endParaRPr>
+                    </a:p>
+                  </a:txBody>
+                  <a:tcPr marL="8058" marR="8058" marT="8058" marB="0" anchor="b"/>
+                </a:tc>
+                <a:extLst>
+                  <a:ext uri="{0D108BD9-81ED-4DB2-BD59-A6C34878D82A}">
+                    <a16:rowId xmlns:a16="http://schemas.microsoft.com/office/drawing/2014/main" val="545729628"/>
+                  </a:ext>
+                </a:extLst>
+              </a:tr>
+              <a:tr h="161161">
+                <a:tc>
+                  <a:txBody>
+                    <a:bodyPr/>
+                    <a:lstStyle/>
+                    <a:p>
+                      <a:pPr algn="ctr" fontAlgn="b"/>
+                      <a:r>
+                        <a:rPr lang="en-US" sz="900" u="none" strike="noStrike">
+                          <a:effectLst/>
+                        </a:rPr>
+                        <a:t>Toscani</a:t>
+                      </a:r>
+                      <a:endParaRPr lang="en-US" sz="900" b="0" i="0" u="none" strike="noStrike">
+                        <a:solidFill>
+                          <a:srgbClr val="000000"/>
+                        </a:solidFill>
+                        <a:effectLst/>
+                        <a:latin typeface="Segoe UI" panose="020B0502040204020203" pitchFamily="34" charset="0"/>
+                        <a:cs typeface="Segoe UI" panose="020B0502040204020203" pitchFamily="34" charset="0"/>
+                      </a:endParaRPr>
+                    </a:p>
+                  </a:txBody>
+                  <a:tcPr marL="8058" marR="8058" marT="8058" marB="0" anchor="b"/>
+                </a:tc>
+                <a:extLst>
+                  <a:ext uri="{0D108BD9-81ED-4DB2-BD59-A6C34878D82A}">
+                    <a16:rowId xmlns:a16="http://schemas.microsoft.com/office/drawing/2014/main" val="3689530978"/>
+                  </a:ext>
+                </a:extLst>
+              </a:tr>
+              <a:tr h="161161">
+                <a:tc>
+                  <a:txBody>
+                    <a:bodyPr/>
+                    <a:lstStyle/>
+                    <a:p>
+                      <a:pPr algn="ctr" fontAlgn="b"/>
+                      <a:r>
+                        <a:rPr lang="en-US" sz="900" u="none" strike="noStrike" dirty="0">
+                          <a:effectLst/>
+                        </a:rPr>
+                        <a:t>Mexican Ancestry</a:t>
+                      </a:r>
+                      <a:endParaRPr lang="en-US" sz="900" b="0" i="0" u="none" strike="noStrike" dirty="0">
+                        <a:solidFill>
+                          <a:srgbClr val="000000"/>
+                        </a:solidFill>
+                        <a:effectLst/>
+                        <a:latin typeface="Segoe UI" panose="020B0502040204020203" pitchFamily="34" charset="0"/>
+                        <a:cs typeface="Segoe UI" panose="020B0502040204020203" pitchFamily="34" charset="0"/>
+                      </a:endParaRPr>
+                    </a:p>
+                  </a:txBody>
+                  <a:tcPr marL="8058" marR="8058" marT="8058" marB="0" anchor="b"/>
+                </a:tc>
+                <a:extLst>
+                  <a:ext uri="{0D108BD9-81ED-4DB2-BD59-A6C34878D82A}">
+                    <a16:rowId xmlns:a16="http://schemas.microsoft.com/office/drawing/2014/main" val="1218758797"/>
+                  </a:ext>
+                </a:extLst>
+              </a:tr>
+            </a:tbl>
+          </a:graphicData>
+        </a:graphic>
+      </p:graphicFrame>
     </p:spTree>
     <p:extLst>
       <p:ext uri="{BB962C8B-B14F-4D97-AF65-F5344CB8AC3E}">

--- a/Query Millions of WGS Variants in Minutes with Azure Synapse.pptx
+++ b/Query Millions of WGS Variants in Minutes with Azure Synapse.pptx
@@ -23226,8 +23226,8 @@
         </p:nvSpPr>
         <p:spPr>
           <a:xfrm>
-            <a:off x="754146" y="3583597"/>
-            <a:ext cx="12594208" cy="8619498"/>
+            <a:off x="754145" y="3583597"/>
+            <a:ext cx="14632195" cy="8619498"/>
           </a:xfrm>
         </p:spPr>
         <p:txBody>
@@ -23236,7 +23236,7 @@
           <a:p>
             <a:r>
               <a:rPr lang="en-US" dirty="0"/>
-              <a:t>Scalable analytics platform that includes Azure SQL Data Warehouse, Data Lake exploration, Apache Spark, integration with Power BI, and more.</a:t>
+              <a:t>Scalable analytics platform that includes a SQL engine (formerly Azure SQL Data Warehouse), Data Lake exploration, Apache Spark, integration with Power BI, and more.</a:t>
             </a:r>
           </a:p>
         </p:txBody>

--- a/Query Millions of WGS Variants in Minutes with Azure Synapse.pptx
+++ b/Query Millions of WGS Variants in Minutes with Azure Synapse.pptx
@@ -3562,7 +3562,7 @@
           <a:p>
             <a:fld id="{3779E54F-7F04-0E49-8508-F34520992E48}" type="datetimeFigureOut">
               <a:rPr lang="en-US" smtClean="0"/>
-              <a:t>3/17/2021</a:t>
+              <a:t>3/18/2021</a:t>
             </a:fld>
             <a:endParaRPr lang="en-US"/>
           </a:p>
@@ -19777,7 +19777,7 @@
 </file>
 
 <file path=ppt/slides/slide10.xml><?xml version="1.0" encoding="utf-8"?>
-<p:sld xmlns:a="http://schemas.openxmlformats.org/drawingml/2006/main" xmlns:r="http://schemas.openxmlformats.org/officeDocument/2006/relationships" xmlns:p="http://schemas.openxmlformats.org/presentationml/2006/main">
+<p:sld xmlns:a="http://schemas.openxmlformats.org/drawingml/2006/main" xmlns:r="http://schemas.openxmlformats.org/officeDocument/2006/relationships" xmlns:p="http://schemas.openxmlformats.org/presentationml/2006/main" show="0">
   <p:cSld>
     <p:spTree>
       <p:nvGrpSpPr>
@@ -20906,7 +20906,7 @@
 </file>
 
 <file path=ppt/slides/slide11.xml><?xml version="1.0" encoding="utf-8"?>
-<p:sld xmlns:a="http://schemas.openxmlformats.org/drawingml/2006/main" xmlns:r="http://schemas.openxmlformats.org/officeDocument/2006/relationships" xmlns:p="http://schemas.openxmlformats.org/presentationml/2006/main">
+<p:sld xmlns:a="http://schemas.openxmlformats.org/drawingml/2006/main" xmlns:r="http://schemas.openxmlformats.org/officeDocument/2006/relationships" xmlns:p="http://schemas.openxmlformats.org/presentationml/2006/main" show="0">
   <p:cSld>
     <p:spTree>
       <p:nvGrpSpPr>
@@ -22035,7 +22035,7 @@
 </file>
 
 <file path=ppt/slides/slide12.xml><?xml version="1.0" encoding="utf-8"?>
-<p:sld xmlns:a="http://schemas.openxmlformats.org/drawingml/2006/main" xmlns:r="http://schemas.openxmlformats.org/officeDocument/2006/relationships" xmlns:p="http://schemas.openxmlformats.org/presentationml/2006/main">
+<p:sld xmlns:a="http://schemas.openxmlformats.org/drawingml/2006/main" xmlns:r="http://schemas.openxmlformats.org/officeDocument/2006/relationships" xmlns:p="http://schemas.openxmlformats.org/presentationml/2006/main" show="0">
   <p:cSld>
     <p:spTree>
       <p:nvGrpSpPr>
@@ -26265,7 +26265,7 @@
 </file>
 
 <file path=ppt/slides/slide6.xml><?xml version="1.0" encoding="utf-8"?>
-<p:sld xmlns:a="http://schemas.openxmlformats.org/drawingml/2006/main" xmlns:r="http://schemas.openxmlformats.org/officeDocument/2006/relationships" xmlns:p="http://schemas.openxmlformats.org/presentationml/2006/main">
+<p:sld xmlns:a="http://schemas.openxmlformats.org/drawingml/2006/main" xmlns:r="http://schemas.openxmlformats.org/officeDocument/2006/relationships" xmlns:p="http://schemas.openxmlformats.org/presentationml/2006/main" show="0">
   <p:cSld>
     <p:spTree>
       <p:nvGrpSpPr>
@@ -26619,7 +26619,7 @@
 </file>
 
 <file path=ppt/slides/slide7.xml><?xml version="1.0" encoding="utf-8"?>
-<p:sld xmlns:a="http://schemas.openxmlformats.org/drawingml/2006/main" xmlns:r="http://schemas.openxmlformats.org/officeDocument/2006/relationships" xmlns:p="http://schemas.openxmlformats.org/presentationml/2006/main">
+<p:sld xmlns:a="http://schemas.openxmlformats.org/drawingml/2006/main" xmlns:r="http://schemas.openxmlformats.org/officeDocument/2006/relationships" xmlns:p="http://schemas.openxmlformats.org/presentationml/2006/main" show="0">
   <p:cSld>
     <p:spTree>
       <p:nvGrpSpPr>
@@ -27372,7 +27372,7 @@
 </file>
 
 <file path=ppt/slides/slide8.xml><?xml version="1.0" encoding="utf-8"?>
-<p:sld xmlns:a="http://schemas.openxmlformats.org/drawingml/2006/main" xmlns:r="http://schemas.openxmlformats.org/officeDocument/2006/relationships" xmlns:p="http://schemas.openxmlformats.org/presentationml/2006/main">
+<p:sld xmlns:a="http://schemas.openxmlformats.org/drawingml/2006/main" xmlns:r="http://schemas.openxmlformats.org/officeDocument/2006/relationships" xmlns:p="http://schemas.openxmlformats.org/presentationml/2006/main" show="0">
   <p:cSld>
     <p:spTree>
       <p:nvGrpSpPr>
@@ -28501,7 +28501,7 @@
 </file>
 
 <file path=ppt/slides/slide9.xml><?xml version="1.0" encoding="utf-8"?>
-<p:sld xmlns:a="http://schemas.openxmlformats.org/drawingml/2006/main" xmlns:r="http://schemas.openxmlformats.org/officeDocument/2006/relationships" xmlns:p="http://schemas.openxmlformats.org/presentationml/2006/main">
+<p:sld xmlns:a="http://schemas.openxmlformats.org/drawingml/2006/main" xmlns:r="http://schemas.openxmlformats.org/officeDocument/2006/relationships" xmlns:p="http://schemas.openxmlformats.org/presentationml/2006/main" show="0">
   <p:cSld>
     <p:spTree>
       <p:nvGrpSpPr>
@@ -30453,6 +30453,15 @@
 </file>
 
 <file path=customXml/item2.xml><?xml version="1.0" encoding="utf-8"?>
+<?mso-contentType ?>
+<FormTemplates xmlns="http://schemas.microsoft.com/sharepoint/v3/contenttype/forms">
+  <Display>DocumentLibraryForm</Display>
+  <Edit>DocumentLibraryForm</Edit>
+  <New>DocumentLibraryForm</New>
+</FormTemplates>
+</file>
+
+<file path=customXml/item3.xml><?xml version="1.0" encoding="utf-8"?>
 <ct:contentTypeSchema xmlns:ct="http://schemas.microsoft.com/office/2006/metadata/contentType" xmlns:ma="http://schemas.microsoft.com/office/2006/metadata/properties/metaAttributes" ct:_="" ma:_="" ma:contentTypeName="Document" ma:contentTypeID="0x010100CF4DF0B633CB854BA4FC617E162F95BB" ma:contentTypeVersion="12" ma:contentTypeDescription="Create a new document." ma:contentTypeScope="" ma:versionID="ca851ffe4366473413de7d007511814b">
   <xsd:schema xmlns:xsd="http://www.w3.org/2001/XMLSchema" xmlns:xs="http://www.w3.org/2001/XMLSchema" xmlns:p="http://schemas.microsoft.com/office/2006/metadata/properties" xmlns:ns2="92b23c1a-e308-4fa6-ae35-664bd56a52cf" xmlns:ns3="5a60e6d5-588c-40ce-b042-e8c17b50cd64" targetNamespace="http://schemas.microsoft.com/office/2006/metadata/properties" ma:root="true" ma:fieldsID="e70d98cdab9ff6bdf8356def969ee510" ns2:_="" ns3:_="">
     <xsd:import namespace="92b23c1a-e308-4fa6-ae35-664bd56a52cf"/>
@@ -30669,15 +30678,6 @@
 </ct:contentTypeSchema>
 </file>
 
-<file path=customXml/item3.xml><?xml version="1.0" encoding="utf-8"?>
-<?mso-contentType ?>
-<FormTemplates xmlns="http://schemas.microsoft.com/sharepoint/v3/contenttype/forms">
-  <Display>DocumentLibraryForm</Display>
-  <Edit>DocumentLibraryForm</Edit>
-  <New>DocumentLibraryForm</New>
-</FormTemplates>
-</file>
-
 <file path=customXml/itemProps1.xml><?xml version="1.0" encoding="utf-8"?>
 <ds:datastoreItem xmlns:ds="http://schemas.openxmlformats.org/officeDocument/2006/customXml" ds:itemID="{FC33B9D5-02D4-401E-8D6E-4A90AB3E6F07}">
   <ds:schemaRefs>
@@ -30696,6 +30696,14 @@
 </file>
 
 <file path=customXml/itemProps2.xml><?xml version="1.0" encoding="utf-8"?>
+<ds:datastoreItem xmlns:ds="http://schemas.openxmlformats.org/officeDocument/2006/customXml" ds:itemID="{03544C00-1862-47D1-9C8A-A1312D414BF5}">
+  <ds:schemaRefs>
+    <ds:schemaRef ds:uri="http://schemas.microsoft.com/sharepoint/v3/contenttype/forms"/>
+  </ds:schemaRefs>
+</ds:datastoreItem>
+</file>
+
+<file path=customXml/itemProps3.xml><?xml version="1.0" encoding="utf-8"?>
 <ds:datastoreItem xmlns:ds="http://schemas.openxmlformats.org/officeDocument/2006/customXml" ds:itemID="{8E767539-14D4-4E8F-BB90-1BB8B43B8E91}">
   <ds:schemaRefs>
     <ds:schemaRef ds:uri="http://schemas.microsoft.com/office/2006/metadata/contentType"/>
@@ -30712,12 +30720,4 @@
     <ds:schemaRef ds:uri="http://schemas.microsoft.com/internal/obd"/>
   </ds:schemaRefs>
 </ds:datastoreItem>
-</file>
-
-<file path=customXml/itemProps3.xml><?xml version="1.0" encoding="utf-8"?>
-<ds:datastoreItem xmlns:ds="http://schemas.openxmlformats.org/officeDocument/2006/customXml" ds:itemID="{03544C00-1862-47D1-9C8A-A1312D414BF5}">
-  <ds:schemaRefs>
-    <ds:schemaRef ds:uri="http://schemas.microsoft.com/sharepoint/v3/contenttype/forms"/>
-  </ds:schemaRefs>
-</ds:datastoreItem>
 </file>